--- a/PROGRAMACION/FOL/TEMA 5 FOL INTRODUCCIÓN A LA SS.pptx
+++ b/PROGRAMACION/FOL/TEMA 5 FOL INTRODUCCIÓN A LA SS.pptx
@@ -169,6 +169,7 @@
           </a:p>
         </c:rich>
       </c:tx>
+      <c:layout/>
       <c:overlay val="0"/>
       <c:spPr>
         <a:noFill/>
@@ -431,6 +432,7 @@
     </c:plotArea>
     <c:legend>
       <c:legendPos val="b"/>
+      <c:layout/>
       <c:overlay val="0"/>
       <c:spPr>
         <a:noFill/>
@@ -4024,7 +4026,7 @@
           <a:p>
             <a:fld id="{6E5A1375-5E48-45CD-B1FF-BA3248025E3D}" type="datetimeFigureOut">
               <a:rPr lang="es-ES" smtClean="0"/>
-              <a:t>24/01/2024</a:t>
+              <a:t>30/01/2024</a:t>
             </a:fld>
             <a:endParaRPr lang="es-ES"/>
           </a:p>
@@ -4194,7 +4196,7 @@
           <a:p>
             <a:fld id="{6E5A1375-5E48-45CD-B1FF-BA3248025E3D}" type="datetimeFigureOut">
               <a:rPr lang="es-ES" smtClean="0"/>
-              <a:t>24/01/2024</a:t>
+              <a:t>30/01/2024</a:t>
             </a:fld>
             <a:endParaRPr lang="es-ES"/>
           </a:p>
@@ -4374,7 +4376,7 @@
           <a:p>
             <a:fld id="{6E5A1375-5E48-45CD-B1FF-BA3248025E3D}" type="datetimeFigureOut">
               <a:rPr lang="es-ES" smtClean="0"/>
-              <a:t>24/01/2024</a:t>
+              <a:t>30/01/2024</a:t>
             </a:fld>
             <a:endParaRPr lang="es-ES"/>
           </a:p>
@@ -4544,7 +4546,7 @@
           <a:p>
             <a:fld id="{6E5A1375-5E48-45CD-B1FF-BA3248025E3D}" type="datetimeFigureOut">
               <a:rPr lang="es-ES" smtClean="0"/>
-              <a:t>24/01/2024</a:t>
+              <a:t>30/01/2024</a:t>
             </a:fld>
             <a:endParaRPr lang="es-ES"/>
           </a:p>
@@ -4790,7 +4792,7 @@
           <a:p>
             <a:fld id="{6E5A1375-5E48-45CD-B1FF-BA3248025E3D}" type="datetimeFigureOut">
               <a:rPr lang="es-ES" smtClean="0"/>
-              <a:t>24/01/2024</a:t>
+              <a:t>30/01/2024</a:t>
             </a:fld>
             <a:endParaRPr lang="es-ES"/>
           </a:p>
@@ -5022,7 +5024,7 @@
           <a:p>
             <a:fld id="{6E5A1375-5E48-45CD-B1FF-BA3248025E3D}" type="datetimeFigureOut">
               <a:rPr lang="es-ES" smtClean="0"/>
-              <a:t>24/01/2024</a:t>
+              <a:t>30/01/2024</a:t>
             </a:fld>
             <a:endParaRPr lang="es-ES"/>
           </a:p>
@@ -5389,7 +5391,7 @@
           <a:p>
             <a:fld id="{6E5A1375-5E48-45CD-B1FF-BA3248025E3D}" type="datetimeFigureOut">
               <a:rPr lang="es-ES" smtClean="0"/>
-              <a:t>24/01/2024</a:t>
+              <a:t>30/01/2024</a:t>
             </a:fld>
             <a:endParaRPr lang="es-ES"/>
           </a:p>
@@ -5507,7 +5509,7 @@
           <a:p>
             <a:fld id="{6E5A1375-5E48-45CD-B1FF-BA3248025E3D}" type="datetimeFigureOut">
               <a:rPr lang="es-ES" smtClean="0"/>
-              <a:t>24/01/2024</a:t>
+              <a:t>30/01/2024</a:t>
             </a:fld>
             <a:endParaRPr lang="es-ES"/>
           </a:p>
@@ -5602,7 +5604,7 @@
           <a:p>
             <a:fld id="{6E5A1375-5E48-45CD-B1FF-BA3248025E3D}" type="datetimeFigureOut">
               <a:rPr lang="es-ES" smtClean="0"/>
-              <a:t>24/01/2024</a:t>
+              <a:t>30/01/2024</a:t>
             </a:fld>
             <a:endParaRPr lang="es-ES"/>
           </a:p>
@@ -5879,7 +5881,7 @@
           <a:p>
             <a:fld id="{6E5A1375-5E48-45CD-B1FF-BA3248025E3D}" type="datetimeFigureOut">
               <a:rPr lang="es-ES" smtClean="0"/>
-              <a:t>24/01/2024</a:t>
+              <a:t>30/01/2024</a:t>
             </a:fld>
             <a:endParaRPr lang="es-ES"/>
           </a:p>
@@ -6136,7 +6138,7 @@
           <a:p>
             <a:fld id="{6E5A1375-5E48-45CD-B1FF-BA3248025E3D}" type="datetimeFigureOut">
               <a:rPr lang="es-ES" smtClean="0"/>
-              <a:t>24/01/2024</a:t>
+              <a:t>30/01/2024</a:t>
             </a:fld>
             <a:endParaRPr lang="es-ES"/>
           </a:p>
@@ -6349,7 +6351,7 @@
           <a:p>
             <a:fld id="{6E5A1375-5E48-45CD-B1FF-BA3248025E3D}" type="datetimeFigureOut">
               <a:rPr lang="es-ES" smtClean="0"/>
-              <a:t>24/01/2024</a:t>
+              <a:t>30/01/2024</a:t>
             </a:fld>
             <a:endParaRPr lang="es-ES"/>
           </a:p>
@@ -6770,7 +6772,7 @@
                 <a16:creationId xmlns:a16="http://schemas.microsoft.com/office/drawing/2014/main" id="{0C0CCF94-9536-4A63-8FF2-E37827C92756}"/>
               </a:ext>
               <a:ext uri="{C183D7F6-B498-43B3-948B-1728B52AA6E4}">
-                <adec:decorative xmlns="" xmlns:adec="http://schemas.microsoft.com/office/drawing/2017/decorative" val="1"/>
+                <adec:decorative xmlns:adec="http://schemas.microsoft.com/office/drawing/2017/decorative" xmlns="" val="1"/>
               </a:ext>
             </a:extLst>
           </p:cNvPr>
@@ -6846,7 +6848,7 @@
                 <a16:creationId xmlns:a16="http://schemas.microsoft.com/office/drawing/2014/main" id="{C970655A-F4C2-4D7E-BAB6-D3BFC5CAE148}"/>
               </a:ext>
               <a:ext uri="{C183D7F6-B498-43B3-948B-1728B52AA6E4}">
-                <adec:decorative xmlns="" xmlns:adec="http://schemas.microsoft.com/office/drawing/2017/decorative" val="1"/>
+                <adec:decorative xmlns:adec="http://schemas.microsoft.com/office/drawing/2017/decorative" xmlns="" val="1"/>
               </a:ext>
             </a:extLst>
           </p:cNvPr>
@@ -22801,7 +22803,7 @@
                 <a16:creationId xmlns:a16="http://schemas.microsoft.com/office/drawing/2014/main" id="{3389D0BC-BA1D-4360-88F9-D9ECCBDAB50E}"/>
               </a:ext>
               <a:ext uri="{C183D7F6-B498-43B3-948B-1728B52AA6E4}">
-                <adec:decorative xmlns="" xmlns:adec="http://schemas.microsoft.com/office/drawing/2017/decorative" val="1"/>
+                <adec:decorative xmlns:adec="http://schemas.microsoft.com/office/drawing/2017/decorative" xmlns="" val="1"/>
               </a:ext>
             </a:extLst>
           </p:cNvPr>
@@ -23143,7 +23145,7 @@
                 <a16:creationId xmlns:a16="http://schemas.microsoft.com/office/drawing/2014/main" id="{9F7D5CDA-D291-4307-BF55-1381FED29634}"/>
               </a:ext>
               <a:ext uri="{C183D7F6-B498-43B3-948B-1728B52AA6E4}">
-                <adec:decorative xmlns="" xmlns:adec="http://schemas.microsoft.com/office/drawing/2017/decorative" val="1"/>
+                <adec:decorative xmlns:adec="http://schemas.microsoft.com/office/drawing/2017/decorative" xmlns="" val="1"/>
               </a:ext>
             </a:extLst>
           </p:cNvPr>
@@ -23232,7 +23234,7 @@
                 <a16:creationId xmlns:a16="http://schemas.microsoft.com/office/drawing/2014/main" id="{59B296B9-C5A5-4E4F-9B60-C907B5F1466C}"/>
               </a:ext>
               <a:ext uri="{C183D7F6-B498-43B3-948B-1728B52AA6E4}">
-                <adec:decorative xmlns="" xmlns:adec="http://schemas.microsoft.com/office/drawing/2017/decorative" val="1"/>
+                <adec:decorative xmlns:adec="http://schemas.microsoft.com/office/drawing/2017/decorative" xmlns="" val="1"/>
               </a:ext>
             </a:extLst>
           </p:cNvPr>
@@ -23299,7 +23301,7 @@
                 <a16:creationId xmlns:a16="http://schemas.microsoft.com/office/drawing/2014/main" id="{D0300FD3-5AF1-6305-15FA-9078072672E2}"/>
               </a:ext>
               <a:ext uri="{C183D7F6-B498-43B3-948B-1728B52AA6E4}">
-                <adec:decorative xmlns="" xmlns:adec="http://schemas.microsoft.com/office/drawing/2017/decorative" val="1"/>
+                <adec:decorative xmlns:adec="http://schemas.microsoft.com/office/drawing/2017/decorative" xmlns="" val="1"/>
               </a:ext>
             </a:extLst>
           </p:cNvPr>
@@ -23551,7 +23553,7 @@
                 <a16:creationId xmlns:a16="http://schemas.microsoft.com/office/drawing/2014/main" id="{C0763A76-9F1C-4FC5-82B7-DD475DA461B2}"/>
               </a:ext>
               <a:ext uri="{C183D7F6-B498-43B3-948B-1728B52AA6E4}">
-                <adec:decorative xmlns="" xmlns:adec="http://schemas.microsoft.com/office/drawing/2017/decorative" val="1"/>
+                <adec:decorative xmlns:adec="http://schemas.microsoft.com/office/drawing/2017/decorative" xmlns="" val="1"/>
               </a:ext>
             </a:extLst>
           </p:cNvPr>
@@ -23705,7 +23707,7 @@
                 <a16:creationId xmlns:a16="http://schemas.microsoft.com/office/drawing/2014/main" id="{E81BF4F6-F2CF-4984-9D14-D6966D92F99F}"/>
               </a:ext>
               <a:ext uri="{C183D7F6-B498-43B3-948B-1728B52AA6E4}">
-                <adec:decorative xmlns="" xmlns:adec="http://schemas.microsoft.com/office/drawing/2017/decorative" val="1"/>
+                <adec:decorative xmlns:adec="http://schemas.microsoft.com/office/drawing/2017/decorative" xmlns="" val="1"/>
               </a:ext>
             </a:extLst>
           </p:cNvPr>
@@ -24142,7 +24144,7 @@
                 <a16:creationId xmlns:a16="http://schemas.microsoft.com/office/drawing/2014/main" id="{5EFBDE31-BB3E-6CFC-23CD-B5976DA38438}"/>
               </a:ext>
               <a:ext uri="{C183D7F6-B498-43B3-948B-1728B52AA6E4}">
-                <adec:decorative xmlns="" xmlns:adec="http://schemas.microsoft.com/office/drawing/2017/decorative" val="1"/>
+                <adec:decorative xmlns:adec="http://schemas.microsoft.com/office/drawing/2017/decorative" xmlns="" val="1"/>
               </a:ext>
             </a:extLst>
           </p:cNvPr>
@@ -24173,7 +24175,7 @@
                   <a16:creationId xmlns:a16="http://schemas.microsoft.com/office/drawing/2014/main" id="{180A60EC-72BB-121F-556A-E2837FD99A87}"/>
                 </a:ext>
                 <a:ext uri="{C183D7F6-B498-43B3-948B-1728B52AA6E4}">
-                  <adec:decorative xmlns="" xmlns:adec="http://schemas.microsoft.com/office/drawing/2017/decorative" val="1"/>
+                  <adec:decorative xmlns:adec="http://schemas.microsoft.com/office/drawing/2017/decorative" xmlns="" val="1"/>
                 </a:ext>
               </a:extLst>
             </p:cNvPr>
@@ -24242,7 +24244,7 @@
                   <a16:creationId xmlns:a16="http://schemas.microsoft.com/office/drawing/2014/main" id="{F91A2FAE-D41C-FF5D-B0A0-7808248EDC94}"/>
                 </a:ext>
                 <a:ext uri="{C183D7F6-B498-43B3-948B-1728B52AA6E4}">
-                  <adec:decorative xmlns="" xmlns:adec="http://schemas.microsoft.com/office/drawing/2017/decorative" val="1"/>
+                  <adec:decorative xmlns:adec="http://schemas.microsoft.com/office/drawing/2017/decorative" xmlns="" val="1"/>
                 </a:ext>
               </a:extLst>
             </p:cNvPr>
@@ -24378,39 +24380,7 @@
                   <a:schemeClr val="accent6"/>
                 </a:solidFill>
               </a:rPr>
-              <a:t>Mecanismo </a:t>
-            </a:r>
-            <a:r>
-              <a:rPr lang="es-ES" sz="1700" dirty="0" smtClean="0">
-                <a:solidFill>
-                  <a:schemeClr val="accent6"/>
-                </a:solidFill>
-              </a:rPr>
-              <a:t>de equidad </a:t>
-            </a:r>
-            <a:r>
-              <a:rPr lang="es-ES" sz="1700" dirty="0" smtClean="0">
-                <a:solidFill>
-                  <a:schemeClr val="accent6"/>
-                </a:solidFill>
-              </a:rPr>
-              <a:t>intergeneracional (MEI), </a:t>
-            </a:r>
-            <a:r>
-              <a:rPr lang="es-ES" sz="1700" dirty="0" smtClean="0">
-                <a:solidFill>
-                  <a:schemeClr val="accent6"/>
-                </a:solidFill>
-              </a:rPr>
-              <a:t>atraer empresas, bajando </a:t>
-            </a:r>
-            <a:r>
-              <a:rPr lang="es-ES" sz="1700" dirty="0" smtClean="0">
-                <a:solidFill>
-                  <a:schemeClr val="accent6"/>
-                </a:solidFill>
-              </a:rPr>
-              <a:t>impuestos, fomento de emprendimiento, mayor control ayudas sociales, facilitar ahorro privado, mejorar distribución de los presupuestos. </a:t>
+              <a:t>Mecanismo de equidad intergeneracional (MEI), atraer empresas, bajando impuestos, fomento de emprendimiento, mayor control ayudas sociales, facilitar ahorro privado, mejorar distribución de los presupuestos. </a:t>
             </a:r>
             <a:endParaRPr lang="es-ES" sz="1700" dirty="0"/>
           </a:p>
@@ -24492,6 +24462,107 @@
           <a:chExt cx="0" cy="0"/>
         </a:xfrm>
       </p:grpSpPr>
+      <p:pic>
+        <p:nvPicPr>
+          <p:cNvPr id="4" name="Imagen 3">
+            <a:extLst>
+              <a:ext uri="{FF2B5EF4-FFF2-40B4-BE49-F238E27FC236}">
+                <a16:creationId xmlns:a16="http://schemas.microsoft.com/office/drawing/2014/main" id="{63BFC79A-2E91-F801-1F25-B792C6142C05}"/>
+              </a:ext>
+            </a:extLst>
+          </p:cNvPr>
+          <p:cNvPicPr>
+            <a:picLocks noChangeAspect="1"/>
+          </p:cNvPicPr>
+          <p:nvPr/>
+        </p:nvPicPr>
+        <p:blipFill rotWithShape="1">
+          <a:blip r:embed="rId2"/>
+          <a:srcRect l="13023" r="26117"/>
+          <a:stretch/>
+        </p:blipFill>
+        <p:spPr>
+          <a:xfrm>
+            <a:off x="8884987" y="1251225"/>
+            <a:ext cx="3090507" cy="3046852"/>
+          </a:xfrm>
+          <a:custGeom>
+            <a:avLst/>
+            <a:gdLst/>
+            <a:ahLst/>
+            <a:cxnLst/>
+            <a:rect l="l" t="t" r="r" b="b"/>
+            <a:pathLst>
+              <a:path w="4907989" h="5000863">
+                <a:moveTo>
+                  <a:pt x="2470191" y="1"/>
+                </a:moveTo>
+                <a:cubicBezTo>
+                  <a:pt x="2830241" y="-195"/>
+                  <a:pt x="3415742" y="46328"/>
+                  <a:pt x="3765819" y="252773"/>
+                </a:cubicBezTo>
+                <a:cubicBezTo>
+                  <a:pt x="4165907" y="488709"/>
+                  <a:pt x="4458341" y="954942"/>
+                  <a:pt x="4731557" y="1418236"/>
+                </a:cubicBezTo>
+                <a:cubicBezTo>
+                  <a:pt x="4789564" y="1659858"/>
+                  <a:pt x="4891070" y="1860738"/>
+                  <a:pt x="4905579" y="2143103"/>
+                </a:cubicBezTo>
+                <a:cubicBezTo>
+                  <a:pt x="4920089" y="2425468"/>
+                  <a:pt x="4866326" y="2818061"/>
+                  <a:pt x="4818615" y="3112430"/>
+                </a:cubicBezTo>
+                <a:cubicBezTo>
+                  <a:pt x="4770904" y="3406800"/>
+                  <a:pt x="4806203" y="3646923"/>
+                  <a:pt x="4619311" y="3909319"/>
+                </a:cubicBezTo>
+                <a:cubicBezTo>
+                  <a:pt x="4432419" y="4171716"/>
+                  <a:pt x="4049620" y="4492340"/>
+                  <a:pt x="3697259" y="4686813"/>
+                </a:cubicBezTo>
+                <a:cubicBezTo>
+                  <a:pt x="3344898" y="4881286"/>
+                  <a:pt x="2734541" y="4985891"/>
+                  <a:pt x="2333694" y="4997577"/>
+                </a:cubicBezTo>
+                <a:cubicBezTo>
+                  <a:pt x="1932846" y="5009263"/>
+                  <a:pt x="1918305" y="5002441"/>
+                  <a:pt x="1292179" y="4756925"/>
+                </a:cubicBezTo>
+                <a:cubicBezTo>
+                  <a:pt x="666053" y="4511409"/>
+                  <a:pt x="241665" y="3438040"/>
+                  <a:pt x="84531" y="2817164"/>
+                </a:cubicBezTo>
+                <a:cubicBezTo>
+                  <a:pt x="-72603" y="2196288"/>
+                  <a:pt x="-25040" y="1500760"/>
+                  <a:pt x="349377" y="1031668"/>
+                </a:cubicBezTo>
+                <a:cubicBezTo>
+                  <a:pt x="723793" y="562576"/>
+                  <a:pt x="1315167" y="14311"/>
+                  <a:pt x="2331031" y="2616"/>
+                </a:cubicBezTo>
+                <a:cubicBezTo>
+                  <a:pt x="2371921" y="1011"/>
+                  <a:pt x="2418756" y="29"/>
+                  <a:pt x="2470191" y="1"/>
+                </a:cubicBezTo>
+                <a:close/>
+              </a:path>
+            </a:pathLst>
+          </a:custGeom>
+        </p:spPr>
+      </p:pic>
       <p:sp>
         <p:nvSpPr>
           <p:cNvPr id="2" name="Título 1">
@@ -24511,7 +24582,7 @@
         <p:spPr>
           <a:xfrm>
             <a:off x="533851" y="240912"/>
-            <a:ext cx="4998888" cy="1642956"/>
+            <a:ext cx="4998888" cy="673488"/>
           </a:xfrm>
         </p:spPr>
         <p:txBody>
@@ -24539,7 +24610,7 @@
                 <a16:creationId xmlns:a16="http://schemas.microsoft.com/office/drawing/2014/main" id="{A4813DE6-CC05-D4A6-57C6-34BDCB1C117C}"/>
               </a:ext>
               <a:ext uri="{C183D7F6-B498-43B3-948B-1728B52AA6E4}">
-                <adec:decorative xmlns="" xmlns:adec="http://schemas.microsoft.com/office/drawing/2017/decorative" val="1"/>
+                <adec:decorative xmlns:adec="http://schemas.microsoft.com/office/drawing/2017/decorative" xmlns="" val="1"/>
               </a:ext>
             </a:extLst>
           </p:cNvPr>
@@ -24698,7 +24769,7 @@
                 <a16:creationId xmlns:a16="http://schemas.microsoft.com/office/drawing/2014/main" id="{D0C531AC-B951-C983-A9F9-A57678E3B22D}"/>
               </a:ext>
               <a:ext uri="{C183D7F6-B498-43B3-948B-1728B52AA6E4}">
-                <adec:decorative xmlns="" xmlns:adec="http://schemas.microsoft.com/office/drawing/2017/decorative" val="1"/>
+                <adec:decorative xmlns:adec="http://schemas.microsoft.com/office/drawing/2017/decorative" xmlns="" val="1"/>
               </a:ext>
             </a:extLst>
           </p:cNvPr>
@@ -24729,7 +24800,7 @@
                   <a16:creationId xmlns:a16="http://schemas.microsoft.com/office/drawing/2014/main" id="{45304F32-33F0-5A5F-4837-1B2BFA5DBADB}"/>
                 </a:ext>
                 <a:ext uri="{C183D7F6-B498-43B3-948B-1728B52AA6E4}">
-                  <adec:decorative xmlns="" xmlns:adec="http://schemas.microsoft.com/office/drawing/2017/decorative" val="1"/>
+                  <adec:decorative xmlns:adec="http://schemas.microsoft.com/office/drawing/2017/decorative" xmlns="" val="1"/>
                 </a:ext>
               </a:extLst>
             </p:cNvPr>
@@ -25500,7 +25571,7 @@
                   <a16:creationId xmlns:a16="http://schemas.microsoft.com/office/drawing/2014/main" id="{E7660A84-957D-5B03-5B37-036016C70439}"/>
                 </a:ext>
                 <a:ext uri="{C183D7F6-B498-43B3-948B-1728B52AA6E4}">
-                  <adec:decorative xmlns="" xmlns:adec="http://schemas.microsoft.com/office/drawing/2017/decorative" val="1"/>
+                  <adec:decorative xmlns:adec="http://schemas.microsoft.com/office/drawing/2017/decorative" xmlns="" val="1"/>
                 </a:ext>
               </a:extLst>
             </p:cNvPr>
@@ -26265,255 +26336,6 @@
           </p:txBody>
         </p:sp>
       </p:grpSp>
-      <p:sp>
-        <p:nvSpPr>
-          <p:cNvPr id="3" name="Marcador de contenido 2">
-            <a:extLst>
-              <a:ext uri="{FF2B5EF4-FFF2-40B4-BE49-F238E27FC236}">
-                <a16:creationId xmlns:a16="http://schemas.microsoft.com/office/drawing/2014/main" id="{1980A197-3A0F-3968-2A9C-C4FD21773EB0}"/>
-              </a:ext>
-            </a:extLst>
-          </p:cNvPr>
-          <p:cNvSpPr>
-            <a:spLocks noGrp="1"/>
-          </p:cNvSpPr>
-          <p:nvPr>
-            <p:ph idx="1"/>
-          </p:nvPr>
-        </p:nvSpPr>
-        <p:spPr>
-          <a:xfrm>
-            <a:off x="833571" y="1883868"/>
-            <a:ext cx="4904047" cy="4586877"/>
-          </a:xfrm>
-        </p:spPr>
-        <p:txBody>
-          <a:bodyPr>
-            <a:noAutofit/>
-          </a:bodyPr>
-          <a:lstStyle/>
-          <a:p>
-            <a:pPr>
-              <a:lnSpc>
-                <a:spcPct val="150000"/>
-              </a:lnSpc>
-            </a:pPr>
-            <a:r>
-              <a:rPr lang="es-ES" sz="1600" b="1" dirty="0">
-                <a:latin typeface="+mj-lt"/>
-              </a:rPr>
-              <a:t>Concepto</a:t>
-            </a:r>
-          </a:p>
-          <a:p>
-            <a:pPr>
-              <a:lnSpc>
-                <a:spcPct val="150000"/>
-              </a:lnSpc>
-            </a:pPr>
-            <a:r>
-              <a:rPr lang="es-ES" sz="1600" b="1" dirty="0">
-                <a:latin typeface="+mj-lt"/>
-              </a:rPr>
-              <a:t>Principios generales </a:t>
-            </a:r>
-            <a:r>
-              <a:rPr lang="es-ES" sz="1600" dirty="0">
-                <a:latin typeface="+mj-lt"/>
-              </a:rPr>
-              <a:t>(artículo 2 de la LGSS): </a:t>
-            </a:r>
-          </a:p>
-          <a:p>
-            <a:pPr lvl="1">
-              <a:lnSpc>
-                <a:spcPct val="150000"/>
-              </a:lnSpc>
-            </a:pPr>
-            <a:r>
-              <a:rPr lang="es-ES" sz="1600" b="0" i="0" dirty="0">
-                <a:effectLst/>
-                <a:latin typeface="+mj-lt"/>
-              </a:rPr>
-              <a:t>universalidad, </a:t>
-            </a:r>
-          </a:p>
-          <a:p>
-            <a:pPr lvl="1">
-              <a:lnSpc>
-                <a:spcPct val="150000"/>
-              </a:lnSpc>
-            </a:pPr>
-            <a:r>
-              <a:rPr lang="es-ES" sz="1600" b="0" i="0" dirty="0">
-                <a:effectLst/>
-                <a:latin typeface="+mj-lt"/>
-              </a:rPr>
-              <a:t>Solidaridad e igualdad</a:t>
-            </a:r>
-            <a:endParaRPr lang="es-ES" sz="1600" dirty="0">
-              <a:latin typeface="+mj-lt"/>
-            </a:endParaRPr>
-          </a:p>
-          <a:p>
-            <a:pPr>
-              <a:lnSpc>
-                <a:spcPct val="150000"/>
-              </a:lnSpc>
-            </a:pPr>
-            <a:r>
-              <a:rPr lang="es-ES" sz="1600" b="1" i="0" dirty="0">
-                <a:effectLst/>
-                <a:latin typeface="+mj-lt"/>
-              </a:rPr>
-              <a:t>Principios de ges</a:t>
-            </a:r>
-            <a:r>
-              <a:rPr lang="es-ES" sz="1600" b="1" dirty="0">
-                <a:latin typeface="+mj-lt"/>
-              </a:rPr>
-              <a:t>tión</a:t>
-            </a:r>
-            <a:r>
-              <a:rPr lang="es-ES" sz="1600" dirty="0">
-                <a:latin typeface="+mj-lt"/>
-              </a:rPr>
-              <a:t>: </a:t>
-            </a:r>
-          </a:p>
-          <a:p>
-            <a:pPr lvl="1">
-              <a:lnSpc>
-                <a:spcPct val="150000"/>
-              </a:lnSpc>
-            </a:pPr>
-            <a:r>
-              <a:rPr lang="es-ES" sz="1600" dirty="0">
-                <a:latin typeface="+mj-lt"/>
-              </a:rPr>
-              <a:t>Unidad de caja, </a:t>
-            </a:r>
-          </a:p>
-          <a:p>
-            <a:pPr lvl="1">
-              <a:lnSpc>
-                <a:spcPct val="150000"/>
-              </a:lnSpc>
-            </a:pPr>
-            <a:r>
-              <a:rPr lang="es-ES" sz="1600" dirty="0">
-                <a:latin typeface="+mj-lt"/>
-              </a:rPr>
-              <a:t>sostenibilidad.</a:t>
-            </a:r>
-            <a:endParaRPr lang="es-ES" sz="1600" b="0" i="0" dirty="0">
-              <a:effectLst/>
-              <a:latin typeface="+mj-lt"/>
-            </a:endParaRPr>
-          </a:p>
-        </p:txBody>
-      </p:sp>
-      <p:pic>
-        <p:nvPicPr>
-          <p:cNvPr id="4" name="Imagen 3">
-            <a:extLst>
-              <a:ext uri="{FF2B5EF4-FFF2-40B4-BE49-F238E27FC236}">
-                <a16:creationId xmlns:a16="http://schemas.microsoft.com/office/drawing/2014/main" id="{63BFC79A-2E91-F801-1F25-B792C6142C05}"/>
-              </a:ext>
-            </a:extLst>
-          </p:cNvPr>
-          <p:cNvPicPr>
-            <a:picLocks noChangeAspect="1"/>
-          </p:cNvPicPr>
-          <p:nvPr/>
-        </p:nvPicPr>
-        <p:blipFill rotWithShape="1">
-          <a:blip r:embed="rId2"/>
-          <a:srcRect l="13023" r="26117"/>
-          <a:stretch/>
-        </p:blipFill>
-        <p:spPr>
-          <a:xfrm>
-            <a:off x="6278715" y="825162"/>
-            <a:ext cx="5397522" cy="5321279"/>
-          </a:xfrm>
-          <a:custGeom>
-            <a:avLst/>
-            <a:gdLst/>
-            <a:ahLst/>
-            <a:cxnLst/>
-            <a:rect l="l" t="t" r="r" b="b"/>
-            <a:pathLst>
-              <a:path w="4907989" h="5000863">
-                <a:moveTo>
-                  <a:pt x="2470191" y="1"/>
-                </a:moveTo>
-                <a:cubicBezTo>
-                  <a:pt x="2830241" y="-195"/>
-                  <a:pt x="3415742" y="46328"/>
-                  <a:pt x="3765819" y="252773"/>
-                </a:cubicBezTo>
-                <a:cubicBezTo>
-                  <a:pt x="4165907" y="488709"/>
-                  <a:pt x="4458341" y="954942"/>
-                  <a:pt x="4731557" y="1418236"/>
-                </a:cubicBezTo>
-                <a:cubicBezTo>
-                  <a:pt x="4789564" y="1659858"/>
-                  <a:pt x="4891070" y="1860738"/>
-                  <a:pt x="4905579" y="2143103"/>
-                </a:cubicBezTo>
-                <a:cubicBezTo>
-                  <a:pt x="4920089" y="2425468"/>
-                  <a:pt x="4866326" y="2818061"/>
-                  <a:pt x="4818615" y="3112430"/>
-                </a:cubicBezTo>
-                <a:cubicBezTo>
-                  <a:pt x="4770904" y="3406800"/>
-                  <a:pt x="4806203" y="3646923"/>
-                  <a:pt x="4619311" y="3909319"/>
-                </a:cubicBezTo>
-                <a:cubicBezTo>
-                  <a:pt x="4432419" y="4171716"/>
-                  <a:pt x="4049620" y="4492340"/>
-                  <a:pt x="3697259" y="4686813"/>
-                </a:cubicBezTo>
-                <a:cubicBezTo>
-                  <a:pt x="3344898" y="4881286"/>
-                  <a:pt x="2734541" y="4985891"/>
-                  <a:pt x="2333694" y="4997577"/>
-                </a:cubicBezTo>
-                <a:cubicBezTo>
-                  <a:pt x="1932846" y="5009263"/>
-                  <a:pt x="1918305" y="5002441"/>
-                  <a:pt x="1292179" y="4756925"/>
-                </a:cubicBezTo>
-                <a:cubicBezTo>
-                  <a:pt x="666053" y="4511409"/>
-                  <a:pt x="241665" y="3438040"/>
-                  <a:pt x="84531" y="2817164"/>
-                </a:cubicBezTo>
-                <a:cubicBezTo>
-                  <a:pt x="-72603" y="2196288"/>
-                  <a:pt x="-25040" y="1500760"/>
-                  <a:pt x="349377" y="1031668"/>
-                </a:cubicBezTo>
-                <a:cubicBezTo>
-                  <a:pt x="723793" y="562576"/>
-                  <a:pt x="1315167" y="14311"/>
-                  <a:pt x="2331031" y="2616"/>
-                </a:cubicBezTo>
-                <a:cubicBezTo>
-                  <a:pt x="2371921" y="1011"/>
-                  <a:pt x="2418756" y="29"/>
-                  <a:pt x="2470191" y="1"/>
-                </a:cubicBezTo>
-                <a:close/>
-              </a:path>
-            </a:pathLst>
-          </a:custGeom>
-        </p:spPr>
-      </p:pic>
       <p:grpSp>
         <p:nvGrpSpPr>
           <p:cNvPr id="15" name="Group 14">
@@ -26522,7 +26344,7 @@
                 <a16:creationId xmlns:a16="http://schemas.microsoft.com/office/drawing/2014/main" id="{4D3BD428-BE12-D76F-5331-338B22BA4D4F}"/>
               </a:ext>
               <a:ext uri="{C183D7F6-B498-43B3-948B-1728B52AA6E4}">
-                <adec:decorative xmlns="" xmlns:adec="http://schemas.microsoft.com/office/drawing/2017/decorative" val="1"/>
+                <adec:decorative xmlns:adec="http://schemas.microsoft.com/office/drawing/2017/decorative" xmlns="" val="1"/>
               </a:ext>
             </a:extLst>
           </p:cNvPr>
@@ -26553,7 +26375,7 @@
                   <a16:creationId xmlns:a16="http://schemas.microsoft.com/office/drawing/2014/main" id="{0ED2505C-BD8D-90F6-2853-6BBFE44A99A8}"/>
                 </a:ext>
                 <a:ext uri="{C183D7F6-B498-43B3-948B-1728B52AA6E4}">
-                  <adec:decorative xmlns="" xmlns:adec="http://schemas.microsoft.com/office/drawing/2017/decorative" val="1"/>
+                  <adec:decorative xmlns:adec="http://schemas.microsoft.com/office/drawing/2017/decorative" xmlns="" val="1"/>
                 </a:ext>
               </a:extLst>
             </p:cNvPr>
@@ -28418,7 +28240,7 @@
                   <a16:creationId xmlns:a16="http://schemas.microsoft.com/office/drawing/2014/main" id="{A35142EF-06FE-5359-648A-F585DF6D4C62}"/>
                 </a:ext>
                 <a:ext uri="{C183D7F6-B498-43B3-948B-1728B52AA6E4}">
-                  <adec:decorative xmlns="" xmlns:adec="http://schemas.microsoft.com/office/drawing/2017/decorative" val="1"/>
+                  <adec:decorative xmlns:adec="http://schemas.microsoft.com/office/drawing/2017/decorative" xmlns="" val="1"/>
                 </a:ext>
               </a:extLst>
             </p:cNvPr>
@@ -30277,6 +30099,274 @@
           </p:txBody>
         </p:sp>
       </p:grpSp>
+      <p:sp>
+        <p:nvSpPr>
+          <p:cNvPr id="3" name="Marcador de contenido 2">
+            <a:extLst>
+              <a:ext uri="{FF2B5EF4-FFF2-40B4-BE49-F238E27FC236}">
+                <a16:creationId xmlns:a16="http://schemas.microsoft.com/office/drawing/2014/main" id="{1980A197-3A0F-3968-2A9C-C4FD21773EB0}"/>
+              </a:ext>
+            </a:extLst>
+          </p:cNvPr>
+          <p:cNvSpPr>
+            <a:spLocks noGrp="1"/>
+          </p:cNvSpPr>
+          <p:nvPr>
+            <p:ph idx="1"/>
+          </p:nvPr>
+        </p:nvSpPr>
+        <p:spPr>
+          <a:xfrm>
+            <a:off x="374073" y="914400"/>
+            <a:ext cx="8427788" cy="4771505"/>
+          </a:xfrm>
+          <a:solidFill>
+            <a:schemeClr val="bg1"/>
+          </a:solidFill>
+        </p:spPr>
+        <p:txBody>
+          <a:bodyPr>
+            <a:noAutofit/>
+          </a:bodyPr>
+          <a:lstStyle/>
+          <a:p>
+            <a:pPr>
+              <a:lnSpc>
+                <a:spcPct val="150000"/>
+              </a:lnSpc>
+            </a:pPr>
+            <a:r>
+              <a:rPr lang="es-ES" sz="1600" b="1" dirty="0" smtClean="0">
+                <a:latin typeface="+mj-lt"/>
+              </a:rPr>
+              <a:t>Concepto:</a:t>
+            </a:r>
+            <a:r>
+              <a:rPr lang="es-ES" sz="1600" b="1" dirty="0" smtClean="0">
+                <a:solidFill>
+                  <a:schemeClr val="accent6"/>
+                </a:solidFill>
+                <a:latin typeface="+mj-lt"/>
+              </a:rPr>
+              <a:t> Sistema público por el que el estado protege a sus ciudadanos a través de prestaciones. </a:t>
+            </a:r>
+            <a:r>
+              <a:rPr lang="es-ES" sz="1600" b="1" dirty="0" smtClean="0">
+                <a:solidFill>
+                  <a:schemeClr val="accent6"/>
+                </a:solidFill>
+                <a:latin typeface="+mj-lt"/>
+              </a:rPr>
+              <a:t>Funciona como un seguro público.</a:t>
+            </a:r>
+            <a:endParaRPr lang="es-ES" sz="1600" b="1" dirty="0" smtClean="0">
+              <a:solidFill>
+                <a:schemeClr val="accent6"/>
+              </a:solidFill>
+              <a:latin typeface="+mj-lt"/>
+            </a:endParaRPr>
+          </a:p>
+          <a:p>
+            <a:pPr>
+              <a:lnSpc>
+                <a:spcPct val="150000"/>
+              </a:lnSpc>
+            </a:pPr>
+            <a:r>
+              <a:rPr lang="es-ES" sz="1600" b="1" dirty="0" smtClean="0">
+                <a:latin typeface="+mj-lt"/>
+              </a:rPr>
+              <a:t>Principios </a:t>
+            </a:r>
+            <a:r>
+              <a:rPr lang="es-ES" sz="1600" b="1" dirty="0">
+                <a:latin typeface="+mj-lt"/>
+              </a:rPr>
+              <a:t>generales </a:t>
+            </a:r>
+            <a:r>
+              <a:rPr lang="es-ES" sz="1600" dirty="0">
+                <a:latin typeface="+mj-lt"/>
+              </a:rPr>
+              <a:t>(artículo 2 de la LGSS): </a:t>
+            </a:r>
+          </a:p>
+          <a:p>
+            <a:pPr lvl="1">
+              <a:lnSpc>
+                <a:spcPct val="150000"/>
+              </a:lnSpc>
+            </a:pPr>
+            <a:r>
+              <a:rPr lang="es-ES" sz="1600" b="0" i="0" dirty="0" smtClean="0">
+                <a:effectLst/>
+                <a:latin typeface="+mj-lt"/>
+              </a:rPr>
+              <a:t>Universalidad</a:t>
+            </a:r>
+            <a:r>
+              <a:rPr lang="es-ES" sz="1600" b="0" i="0" dirty="0" smtClean="0">
+                <a:solidFill>
+                  <a:schemeClr val="accent6"/>
+                </a:solidFill>
+                <a:effectLst/>
+                <a:latin typeface="+mj-lt"/>
+              </a:rPr>
+              <a:t>(es una aspiración de nuestro sistema el proteger a todo el mundo. Es una aspiración porque por desgracia hay gente que se queda fuera), </a:t>
+            </a:r>
+            <a:endParaRPr lang="es-ES" sz="1600" b="0" i="0" dirty="0">
+              <a:solidFill>
+                <a:schemeClr val="accent6"/>
+              </a:solidFill>
+              <a:effectLst/>
+              <a:latin typeface="+mj-lt"/>
+            </a:endParaRPr>
+          </a:p>
+          <a:p>
+            <a:pPr lvl="1">
+              <a:lnSpc>
+                <a:spcPct val="150000"/>
+              </a:lnSpc>
+            </a:pPr>
+            <a:r>
+              <a:rPr lang="es-ES" sz="1600" b="0" i="0" dirty="0" smtClean="0">
+                <a:effectLst/>
+                <a:latin typeface="+mj-lt"/>
+              </a:rPr>
+              <a:t>Solidaridad </a:t>
+            </a:r>
+            <a:r>
+              <a:rPr lang="es-ES" sz="1600" b="0" i="0" dirty="0" smtClean="0">
+                <a:solidFill>
+                  <a:schemeClr val="accent6"/>
+                </a:solidFill>
+                <a:effectLst/>
+                <a:latin typeface="+mj-lt"/>
+              </a:rPr>
+              <a:t>intergeneracional (la generación actual subvenciona a las generaciones anteriores “La mochila austriaca podría ayudar a mejorar las dificultades de nuestra generación actual para el futuro”) </a:t>
+            </a:r>
+          </a:p>
+          <a:p>
+            <a:pPr lvl="1">
+              <a:lnSpc>
+                <a:spcPct val="150000"/>
+              </a:lnSpc>
+            </a:pPr>
+            <a:r>
+              <a:rPr lang="es-ES" sz="1600" b="0" i="0" dirty="0" smtClean="0">
+                <a:effectLst/>
+                <a:latin typeface="+mj-lt"/>
+              </a:rPr>
+              <a:t>e igualdad: </a:t>
+            </a:r>
+            <a:r>
+              <a:rPr lang="es-ES" sz="1600" b="0" i="0" dirty="0" smtClean="0">
+                <a:solidFill>
+                  <a:schemeClr val="accent6"/>
+                </a:solidFill>
+                <a:effectLst/>
+                <a:latin typeface="+mj-lt"/>
+              </a:rPr>
+              <a:t>Todos los ciudadanos tenemos los mismos derechos con independencia de donde nos encontremos (dentro de España)</a:t>
+            </a:r>
+            <a:endParaRPr lang="es-ES" sz="1600" dirty="0">
+              <a:solidFill>
+                <a:schemeClr val="accent6"/>
+              </a:solidFill>
+              <a:latin typeface="+mj-lt"/>
+            </a:endParaRPr>
+          </a:p>
+          <a:p>
+            <a:pPr>
+              <a:lnSpc>
+                <a:spcPct val="150000"/>
+              </a:lnSpc>
+            </a:pPr>
+            <a:r>
+              <a:rPr lang="es-ES" sz="1600" b="1" i="0" dirty="0">
+                <a:effectLst/>
+                <a:latin typeface="+mj-lt"/>
+              </a:rPr>
+              <a:t>Principios de ges</a:t>
+            </a:r>
+            <a:r>
+              <a:rPr lang="es-ES" sz="1600" b="1" dirty="0">
+                <a:latin typeface="+mj-lt"/>
+              </a:rPr>
+              <a:t>tión</a:t>
+            </a:r>
+            <a:r>
+              <a:rPr lang="es-ES" sz="1600" dirty="0">
+                <a:latin typeface="+mj-lt"/>
+              </a:rPr>
+              <a:t>: </a:t>
+            </a:r>
+          </a:p>
+          <a:p>
+            <a:pPr lvl="1">
+              <a:lnSpc>
+                <a:spcPct val="150000"/>
+              </a:lnSpc>
+            </a:pPr>
+            <a:r>
+              <a:rPr lang="es-ES" sz="1600" dirty="0">
+                <a:latin typeface="+mj-lt"/>
+              </a:rPr>
+              <a:t>Unidad de </a:t>
+            </a:r>
+            <a:r>
+              <a:rPr lang="es-ES" sz="1600" dirty="0" smtClean="0">
+                <a:latin typeface="+mj-lt"/>
+              </a:rPr>
+              <a:t>caja: </a:t>
+            </a:r>
+            <a:r>
+              <a:rPr lang="es-ES" sz="1600" dirty="0" smtClean="0">
+                <a:solidFill>
+                  <a:schemeClr val="accent6"/>
+                </a:solidFill>
+                <a:latin typeface="+mj-lt"/>
+              </a:rPr>
+              <a:t>Todas las recaudaciones de las cotizaciones van a la misma caja.</a:t>
+            </a:r>
+            <a:r>
+              <a:rPr lang="es-ES" sz="1600" dirty="0" smtClean="0">
+                <a:latin typeface="+mj-lt"/>
+              </a:rPr>
+              <a:t> </a:t>
+            </a:r>
+            <a:endParaRPr lang="es-ES" sz="1600" dirty="0">
+              <a:latin typeface="+mj-lt"/>
+            </a:endParaRPr>
+          </a:p>
+          <a:p>
+            <a:pPr lvl="1">
+              <a:lnSpc>
+                <a:spcPct val="150000"/>
+              </a:lnSpc>
+            </a:pPr>
+            <a:r>
+              <a:rPr lang="es-ES" sz="1600" dirty="0" smtClean="0">
+                <a:latin typeface="+mj-lt"/>
+              </a:rPr>
+              <a:t>Sostenibilidad: </a:t>
+            </a:r>
+            <a:r>
+              <a:rPr lang="es-ES" sz="1600" dirty="0" smtClean="0">
+                <a:solidFill>
+                  <a:schemeClr val="accent6"/>
+                </a:solidFill>
+                <a:latin typeface="+mj-lt"/>
+              </a:rPr>
+              <a:t>El sistema debe ser sostenible.</a:t>
+            </a:r>
+            <a:endParaRPr lang="es-ES" sz="1600" b="0" i="0" dirty="0">
+              <a:effectLst/>
+              <a:latin typeface="+mj-lt"/>
+            </a:endParaRPr>
+          </a:p>
+        </p:txBody>
+      </p:sp>
     </p:spTree>
     <p:extLst>
       <p:ext uri="{BB962C8B-B14F-4D97-AF65-F5344CB8AC3E}">
@@ -30323,7 +30413,7 @@
                 <a16:creationId xmlns:a16="http://schemas.microsoft.com/office/drawing/2014/main" id="{2C61293E-6EBE-43EF-A52C-9BEBFD7679D4}"/>
               </a:ext>
               <a:ext uri="{C183D7F6-B498-43B3-948B-1728B52AA6E4}">
-                <adec:decorative xmlns="" xmlns:adec="http://schemas.microsoft.com/office/drawing/2017/decorative" val="1"/>
+                <adec:decorative xmlns:adec="http://schemas.microsoft.com/office/drawing/2017/decorative" xmlns="" val="1"/>
               </a:ext>
             </a:extLst>
           </p:cNvPr>
@@ -30393,7 +30483,7 @@
         </p:nvSpPr>
         <p:spPr>
           <a:xfrm>
-            <a:off x="5297762" y="329185"/>
+            <a:off x="5297593" y="109175"/>
             <a:ext cx="6251110" cy="829056"/>
           </a:xfrm>
         </p:spPr>
@@ -30405,8 +30495,24 @@
           <a:p>
             <a:r>
               <a:rPr lang="es-ES" sz="2400" b="1" dirty="0"/>
-              <a:t>Campos de aplicación y regímenes de la SS</a:t>
+              <a:t>Campos de aplicación y regímenes de la </a:t>
             </a:r>
+            <a:r>
+              <a:rPr lang="es-ES" sz="2400" b="1" dirty="0" smtClean="0"/>
+              <a:t>SS</a:t>
+            </a:r>
+            <a:br>
+              <a:rPr lang="es-ES" sz="2400" b="1" dirty="0" smtClean="0"/>
+            </a:br>
+            <a:r>
+              <a:rPr lang="es-ES" sz="2400" b="1" dirty="0" smtClean="0">
+                <a:solidFill>
+                  <a:schemeClr val="accent6"/>
+                </a:solidFill>
+              </a:rPr>
+              <a:t>No mezclar lo de arriba con lo de abajo</a:t>
+            </a:r>
+            <a:endParaRPr lang="es-ES" sz="2400" b="1" dirty="0"/>
           </a:p>
         </p:txBody>
       </p:sp>
@@ -30559,7 +30665,7 @@
                 <a16:creationId xmlns:a16="http://schemas.microsoft.com/office/drawing/2014/main" id="{21540236-BFD5-4A9D-8840-4703E7F76825}"/>
               </a:ext>
               <a:ext uri="{C183D7F6-B498-43B3-948B-1728B52AA6E4}">
-                <adec:decorative xmlns="" xmlns:adec="http://schemas.microsoft.com/office/drawing/2017/decorative" val="1"/>
+                <adec:decorative xmlns:adec="http://schemas.microsoft.com/office/drawing/2017/decorative" xmlns="" val="1"/>
               </a:ext>
             </a:extLst>
           </p:cNvPr>
@@ -30857,7 +30963,7 @@
             <a:round/>
             <a:extLst>
               <a:ext uri="{C807C97D-BFC1-408E-A445-0C87EB9F89A2}">
-                <ask:lineSketchStyleProps xmlns="" xmlns:ask="http://schemas.microsoft.com/office/drawing/2018/sketchyshapes" sd="2727557108">
+                <ask:lineSketchStyleProps xmlns:ask="http://schemas.microsoft.com/office/drawing/2018/sketchyshapes" xmlns="" sd="2727557108">
                   <a:prstGeom prst="rect">
                     <a:avLst/>
                   </a:prstGeom>
@@ -30912,8 +31018,8 @@
         </p:nvSpPr>
         <p:spPr>
           <a:xfrm>
-            <a:off x="4734560" y="1158241"/>
-            <a:ext cx="7101840" cy="5370573"/>
+            <a:off x="4734560" y="1047405"/>
+            <a:ext cx="7101840" cy="5481410"/>
           </a:xfrm>
         </p:spPr>
         <p:txBody>
@@ -30944,8 +31050,29 @@
               <a:rPr lang="es-ES" sz="1600" dirty="0">
                 <a:latin typeface="+mj-lt"/>
               </a:rPr>
-              <a:t>contributivo  </a:t>
+              <a:t>contributivo </a:t>
             </a:r>
+            <a:r>
+              <a:rPr lang="es-ES" sz="1600" dirty="0" smtClean="0">
+                <a:latin typeface="+mj-lt"/>
+              </a:rPr>
+              <a:t>: </a:t>
+            </a:r>
+            <a:r>
+              <a:rPr lang="es-ES" sz="1600" b="1" dirty="0" smtClean="0">
+                <a:solidFill>
+                  <a:schemeClr val="accent6"/>
+                </a:solidFill>
+                <a:latin typeface="+mj-lt"/>
+              </a:rPr>
+              <a:t>Si cotizo o contribuyo, y percibo prestaciones. </a:t>
+            </a:r>
+            <a:endParaRPr lang="es-ES" sz="1600" b="1" dirty="0">
+              <a:solidFill>
+                <a:schemeClr val="accent6"/>
+              </a:solidFill>
+              <a:latin typeface="+mj-lt"/>
+            </a:endParaRPr>
           </a:p>
           <a:p>
             <a:pPr lvl="1" algn="just">
@@ -30957,8 +31084,36 @@
               <a:rPr lang="es-ES" sz="1600" dirty="0">
                 <a:latin typeface="+mj-lt"/>
               </a:rPr>
-              <a:t>no contributivo</a:t>
+              <a:t>no </a:t>
             </a:r>
+            <a:r>
+              <a:rPr lang="es-ES" sz="1600" dirty="0" smtClean="0">
+                <a:latin typeface="+mj-lt"/>
+              </a:rPr>
+              <a:t>contributivo: </a:t>
+            </a:r>
+            <a:r>
+              <a:rPr lang="es-ES" sz="1600" dirty="0">
+                <a:solidFill>
+                  <a:schemeClr val="accent6"/>
+                </a:solidFill>
+              </a:rPr>
+              <a:t>Si cotizo </a:t>
+            </a:r>
+            <a:r>
+              <a:rPr lang="es-ES" sz="1600" dirty="0" smtClean="0">
+                <a:solidFill>
+                  <a:schemeClr val="accent6"/>
+                </a:solidFill>
+              </a:rPr>
+              <a:t>, puedo percibir por otras circunstancias.</a:t>
+            </a:r>
+            <a:endParaRPr lang="es-ES" sz="1600" dirty="0">
+              <a:solidFill>
+                <a:schemeClr val="accent6"/>
+              </a:solidFill>
+              <a:latin typeface="+mj-lt"/>
+            </a:endParaRPr>
           </a:p>
           <a:p>
             <a:pPr algn="just">
@@ -30980,8 +31135,29 @@
               <a:rPr lang="es-ES" sz="1600" b="1" dirty="0">
                 <a:latin typeface="+mj-lt"/>
               </a:rPr>
-              <a:t>Regímenes de la Seguridad social</a:t>
+              <a:t>Regímenes de la Seguridad </a:t>
             </a:r>
+            <a:r>
+              <a:rPr lang="es-ES" sz="1600" b="1" dirty="0" smtClean="0">
+                <a:latin typeface="+mj-lt"/>
+              </a:rPr>
+              <a:t>social </a:t>
+            </a:r>
+            <a:r>
+              <a:rPr lang="es-ES" sz="1600" b="1" dirty="0" smtClean="0">
+                <a:solidFill>
+                  <a:schemeClr val="accent6"/>
+                </a:solidFill>
+                <a:latin typeface="+mj-lt"/>
+              </a:rPr>
+              <a:t>(esto es otra cosa son diferentes maneras de cotizar y percibir prestaciones según lo que “hagamos”)</a:t>
+            </a:r>
+            <a:endParaRPr lang="es-ES" sz="1600" b="1" dirty="0">
+              <a:solidFill>
+                <a:schemeClr val="accent6"/>
+              </a:solidFill>
+              <a:latin typeface="+mj-lt"/>
+            </a:endParaRPr>
           </a:p>
           <a:p>
             <a:pPr lvl="1" algn="just">
@@ -31091,7 +31267,7 @@
               <a:buChar char="Ø"/>
             </a:pPr>
             <a:r>
-              <a:rPr lang="es-ES" sz="1600" b="0" i="0" u="none" strike="noStrike" kern="1200" dirty="0">
+              <a:rPr lang="es-ES" sz="1600" b="0" i="0" u="none" strike="noStrike" kern="1200" dirty="0" smtClean="0">
                 <a:solidFill>
                   <a:srgbClr val="000000"/>
                 </a:solidFill>
@@ -31100,7 +31276,20 @@
               </a:rPr>
               <a:t>Autónomos</a:t>
             </a:r>
+            <a:r>
+              <a:rPr lang="es-ES" sz="1600" b="0" i="0" u="none" strike="noStrike" kern="1200" dirty="0" smtClean="0">
+                <a:solidFill>
+                  <a:schemeClr val="accent6"/>
+                </a:solidFill>
+                <a:effectLst/>
+                <a:latin typeface="Calibri" panose="020F0502020204030204" pitchFamily="34" charset="0"/>
+              </a:rPr>
+              <a:t>(menos derechos y trabajadores que trabajador por cuenta ajena, aunque cotizan)</a:t>
+            </a:r>
             <a:endParaRPr lang="es-ES" sz="1600" b="0" i="0" u="none" strike="noStrike" dirty="0">
+              <a:solidFill>
+                <a:schemeClr val="accent6"/>
+              </a:solidFill>
               <a:effectLst/>
               <a:latin typeface="Arial" panose="020B0604020202020204" pitchFamily="34" charset="0"/>
             </a:endParaRPr>
@@ -31121,9 +31310,32 @@
                 <a:effectLst/>
                 <a:latin typeface="Calibri" panose="020F0502020204030204" pitchFamily="34" charset="0"/>
               </a:rPr>
-              <a:t>Funcionarios civiles y militares</a:t>
+              <a:t>Funcionarios civiles y </a:t>
+            </a:r>
+            <a:r>
+              <a:rPr lang="es-ES" sz="1600" b="0" i="0" u="none" strike="noStrike" kern="1200" dirty="0" smtClean="0">
+                <a:solidFill>
+                  <a:srgbClr val="000000"/>
+                </a:solidFill>
+                <a:effectLst/>
+                <a:latin typeface="Calibri" panose="020F0502020204030204" pitchFamily="34" charset="0"/>
+              </a:rPr>
+              <a:t>militares </a:t>
+            </a:r>
+            <a:r>
+              <a:rPr lang="es-ES" sz="1600" b="0" i="0" u="none" strike="noStrike" kern="1200" dirty="0" smtClean="0">
+                <a:solidFill>
+                  <a:schemeClr val="accent6"/>
+                </a:solidFill>
+                <a:effectLst/>
+                <a:latin typeface="Calibri" panose="020F0502020204030204" pitchFamily="34" charset="0"/>
+              </a:rPr>
+              <a:t>(seguro médico privado en su mayoría)</a:t>
             </a:r>
             <a:endParaRPr lang="es-ES" sz="1600" b="0" i="0" u="none" strike="noStrike" dirty="0">
+              <a:solidFill>
+                <a:schemeClr val="accent6"/>
+              </a:solidFill>
               <a:effectLst/>
               <a:latin typeface="Arial" panose="020B0604020202020204" pitchFamily="34" charset="0"/>
             </a:endParaRPr>
@@ -31239,7 +31451,7 @@
                 <a16:creationId xmlns:a16="http://schemas.microsoft.com/office/drawing/2014/main" id="{417CDA24-35F8-4540-8C52-3096D6D94949}"/>
               </a:ext>
               <a:ext uri="{C183D7F6-B498-43B3-948B-1728B52AA6E4}">
-                <adec:decorative xmlns="" xmlns:adec="http://schemas.microsoft.com/office/drawing/2017/decorative" val="1"/>
+                <adec:decorative xmlns:adec="http://schemas.microsoft.com/office/drawing/2017/decorative" xmlns="" val="1"/>
               </a:ext>
             </a:extLst>
           </p:cNvPr>
@@ -31320,7 +31532,7 @@
         <p:spPr>
           <a:xfrm>
             <a:off x="7028647" y="321734"/>
-            <a:ext cx="3671368" cy="2905170"/>
+            <a:ext cx="3137818" cy="2482969"/>
           </a:xfrm>
           <a:prstGeom prst="rect">
             <a:avLst/>
@@ -31335,7 +31547,7 @@
                 <a16:creationId xmlns:a16="http://schemas.microsoft.com/office/drawing/2014/main" id="{8658BFE0-4E65-4174-9C75-687C94E88273}"/>
               </a:ext>
               <a:ext uri="{C183D7F6-B498-43B3-948B-1728B52AA6E4}">
-                <adec:decorative xmlns="" xmlns:adec="http://schemas.microsoft.com/office/drawing/2017/decorative" val="1"/>
+                <adec:decorative xmlns:adec="http://schemas.microsoft.com/office/drawing/2017/decorative" xmlns="" val="1"/>
               </a:ext>
             </a:extLst>
           </p:cNvPr>
@@ -31401,7 +31613,7 @@
                 <a16:creationId xmlns:a16="http://schemas.microsoft.com/office/drawing/2014/main" id="{FA75DFED-A0C1-4A83-BE1D-0271C1826EF6}"/>
               </a:ext>
               <a:ext uri="{C183D7F6-B498-43B3-948B-1728B52AA6E4}">
-                <adec:decorative xmlns="" xmlns:adec="http://schemas.microsoft.com/office/drawing/2017/decorative" val="1"/>
+                <adec:decorative xmlns:adec="http://schemas.microsoft.com/office/drawing/2017/decorative" xmlns="" val="1"/>
               </a:ext>
             </a:extLst>
           </p:cNvPr>
@@ -31511,14 +31723,166 @@
         </p:blipFill>
         <p:spPr>
           <a:xfrm>
-            <a:off x="7021587" y="3631096"/>
-            <a:ext cx="3685489" cy="2760560"/>
+            <a:off x="7066361" y="3538264"/>
+            <a:ext cx="3515742" cy="2633414"/>
           </a:xfrm>
           <a:prstGeom prst="rect">
             <a:avLst/>
           </a:prstGeom>
         </p:spPr>
       </p:pic>
+      <p:sp>
+        <p:nvSpPr>
+          <p:cNvPr id="12" name="CuadroTexto 11"/>
+          <p:cNvSpPr txBox="1"/>
+          <p:nvPr/>
+        </p:nvSpPr>
+        <p:spPr>
+          <a:xfrm>
+            <a:off x="598514" y="2643447"/>
+            <a:ext cx="5286894" cy="646331"/>
+          </a:xfrm>
+          <a:prstGeom prst="rect">
+            <a:avLst/>
+          </a:prstGeom>
+          <a:noFill/>
+        </p:spPr>
+        <p:txBody>
+          <a:bodyPr wrap="square" rtlCol="0">
+            <a:spAutoFit/>
+          </a:bodyPr>
+          <a:lstStyle/>
+          <a:p>
+            <a:r>
+              <a:rPr lang="es-ES" dirty="0" smtClean="0">
+                <a:solidFill>
+                  <a:schemeClr val="accent6"/>
+                </a:solidFill>
+              </a:rPr>
+              <a:t>Se encarga de afiliaciones, altas, bajas y recaudación de las cotizaciones</a:t>
+            </a:r>
+            <a:endParaRPr lang="es-ES" dirty="0">
+              <a:solidFill>
+                <a:schemeClr val="accent6"/>
+              </a:solidFill>
+            </a:endParaRPr>
+          </a:p>
+        </p:txBody>
+      </p:sp>
+      <p:sp>
+        <p:nvSpPr>
+          <p:cNvPr id="13" name="CuadroTexto 12"/>
+          <p:cNvSpPr txBox="1"/>
+          <p:nvPr/>
+        </p:nvSpPr>
+        <p:spPr>
+          <a:xfrm>
+            <a:off x="323453" y="5901701"/>
+            <a:ext cx="5286894" cy="646331"/>
+          </a:xfrm>
+          <a:prstGeom prst="rect">
+            <a:avLst/>
+          </a:prstGeom>
+          <a:noFill/>
+        </p:spPr>
+        <p:txBody>
+          <a:bodyPr wrap="square" rtlCol="0">
+            <a:spAutoFit/>
+          </a:bodyPr>
+          <a:lstStyle/>
+          <a:p>
+            <a:r>
+              <a:rPr lang="es-ES" dirty="0" smtClean="0">
+                <a:solidFill>
+                  <a:schemeClr val="accent6"/>
+                </a:solidFill>
+              </a:rPr>
+              <a:t>Se encarga de reconocer el derecho a percibir determinadas prestaciones</a:t>
+            </a:r>
+            <a:endParaRPr lang="es-ES" dirty="0">
+              <a:solidFill>
+                <a:schemeClr val="accent6"/>
+              </a:solidFill>
+            </a:endParaRPr>
+          </a:p>
+        </p:txBody>
+      </p:sp>
+      <p:sp>
+        <p:nvSpPr>
+          <p:cNvPr id="15" name="CuadroTexto 14"/>
+          <p:cNvSpPr txBox="1"/>
+          <p:nvPr/>
+        </p:nvSpPr>
+        <p:spPr>
+          <a:xfrm>
+            <a:off x="6485313" y="5483396"/>
+            <a:ext cx="5286894" cy="1200329"/>
+          </a:xfrm>
+          <a:prstGeom prst="rect">
+            <a:avLst/>
+          </a:prstGeom>
+          <a:noFill/>
+        </p:spPr>
+        <p:txBody>
+          <a:bodyPr wrap="square" rtlCol="0">
+            <a:spAutoFit/>
+          </a:bodyPr>
+          <a:lstStyle/>
+          <a:p>
+            <a:r>
+              <a:rPr lang="es-ES" dirty="0" smtClean="0">
+                <a:solidFill>
+                  <a:schemeClr val="accent6"/>
+                </a:solidFill>
+              </a:rPr>
+              <a:t>INSTITUTO DE MAYORES Y SERVICIOS SOCIALES: Se encarga de determinados servicios a la tercera edad y de reconocer algunas prestaciones no contributivas (como la de incapacidad permanente) </a:t>
+            </a:r>
+            <a:endParaRPr lang="es-ES" dirty="0">
+              <a:solidFill>
+                <a:schemeClr val="accent6"/>
+              </a:solidFill>
+            </a:endParaRPr>
+          </a:p>
+        </p:txBody>
+      </p:sp>
+      <p:sp>
+        <p:nvSpPr>
+          <p:cNvPr id="16" name="CuadroTexto 15"/>
+          <p:cNvSpPr txBox="1"/>
+          <p:nvPr/>
+        </p:nvSpPr>
+        <p:spPr>
+          <a:xfrm>
+            <a:off x="6485313" y="2598604"/>
+            <a:ext cx="5286894" cy="646331"/>
+          </a:xfrm>
+          <a:prstGeom prst="rect">
+            <a:avLst/>
+          </a:prstGeom>
+          <a:noFill/>
+        </p:spPr>
+        <p:txBody>
+          <a:bodyPr wrap="square" rtlCol="0">
+            <a:spAutoFit/>
+          </a:bodyPr>
+          <a:lstStyle/>
+          <a:p>
+            <a:r>
+              <a:rPr lang="es-ES" dirty="0" smtClean="0">
+                <a:solidFill>
+                  <a:schemeClr val="accent6"/>
+                </a:solidFill>
+              </a:rPr>
+              <a:t>Se encarga de políticas pasivas de empleo diferente al SAE que se encarga de las políticas activas de empleo</a:t>
+            </a:r>
+            <a:endParaRPr lang="es-ES" dirty="0">
+              <a:solidFill>
+                <a:schemeClr val="accent6"/>
+              </a:solidFill>
+            </a:endParaRPr>
+          </a:p>
+        </p:txBody>
+      </p:sp>
     </p:spTree>
     <p:extLst>
       <p:ext uri="{BB962C8B-B14F-4D97-AF65-F5344CB8AC3E}">

--- a/PROGRAMACION/FOL/TEMA 5 FOL INTRODUCCIÓN A LA SS.pptx
+++ b/PROGRAMACION/FOL/TEMA 5 FOL INTRODUCCIÓN A LA SS.pptx
@@ -1793,15 +1793,35 @@
     </dgm:pt>
     <dgm:pt modelId="{2D21EEB5-B57D-473E-8304-2F0422147158}">
       <dgm:prSet phldrT="[Texto]"/>
-      <dgm:spPr/>
+      <dgm:spPr>
+        <a:solidFill>
+          <a:schemeClr val="bg2">
+            <a:lumMod val="90000"/>
+            <a:alpha val="90000"/>
+          </a:schemeClr>
+        </a:solidFill>
+      </dgm:spPr>
       <dgm:t>
         <a:bodyPr/>
         <a:lstStyle/>
         <a:p>
           <a:r>
-            <a:rPr lang="es-ES" dirty="0"/>
-            <a:t>Afiliación</a:t>
+            <a:rPr lang="es-ES" dirty="0" smtClean="0"/>
+            <a:t>Afiliación: </a:t>
           </a:r>
+          <a:r>
+            <a:rPr lang="es-ES" dirty="0" smtClean="0">
+              <a:solidFill>
+                <a:schemeClr val="accent6"/>
+              </a:solidFill>
+            </a:rPr>
+            <a:t>Empezar a pertenecer a la seguridad social – tener el número</a:t>
+          </a:r>
+          <a:endParaRPr lang="es-ES" dirty="0">
+            <a:solidFill>
+              <a:schemeClr val="accent6"/>
+            </a:solidFill>
+          </a:endParaRPr>
         </a:p>
       </dgm:t>
     </dgm:pt>
@@ -1829,7 +1849,13 @@
     </dgm:pt>
     <dgm:pt modelId="{677AE04A-0115-4F34-9F85-9CF39FD981C1}">
       <dgm:prSet phldrT="[Texto]"/>
-      <dgm:spPr/>
+      <dgm:spPr>
+        <a:solidFill>
+          <a:srgbClr val="FFFF00">
+            <a:alpha val="90000"/>
+          </a:srgbClr>
+        </a:solidFill>
+      </dgm:spPr>
       <dgm:t>
         <a:bodyPr/>
         <a:lstStyle/>
@@ -1865,7 +1891,15 @@
     </dgm:pt>
     <dgm:pt modelId="{D7E966C1-C1DF-4158-BFD4-630DB36BDCAF}">
       <dgm:prSet phldrT="[Texto]"/>
-      <dgm:spPr/>
+      <dgm:spPr>
+        <a:solidFill>
+          <a:schemeClr val="accent2">
+            <a:lumMod val="40000"/>
+            <a:lumOff val="60000"/>
+            <a:alpha val="90000"/>
+          </a:schemeClr>
+        </a:solidFill>
+      </dgm:spPr>
       <dgm:t>
         <a:bodyPr/>
         <a:lstStyle/>
@@ -2229,12 +2263,9 @@
           </a:avLst>
         </a:prstGeom>
         <a:solidFill>
-          <a:schemeClr val="lt1">
+          <a:schemeClr val="bg2">
+            <a:lumMod val="90000"/>
             <a:alpha val="90000"/>
-            <a:hueOff val="0"/>
-            <a:satOff val="0"/>
-            <a:lumOff val="0"/>
-            <a:alphaOff val="0"/>
           </a:schemeClr>
         </a:solidFill>
         <a:ln w="12700" cap="flat" cmpd="sng" algn="ctr">
@@ -2264,12 +2295,12 @@
         <a:fontRef idx="minor"/>
       </dsp:style>
       <dsp:txBody>
-        <a:bodyPr spcFirstLastPara="0" vert="horz" wrap="square" lIns="40005" tIns="26670" rIns="40005" bIns="26670" numCol="1" spcCol="1270" anchor="ctr" anchorCtr="0">
+        <a:bodyPr spcFirstLastPara="0" vert="horz" wrap="square" lIns="30480" tIns="20320" rIns="30480" bIns="20320" numCol="1" spcCol="1270" anchor="ctr" anchorCtr="0">
           <a:noAutofit/>
         </a:bodyPr>
         <a:lstStyle/>
         <a:p>
-          <a:pPr lvl="0" algn="ctr" defTabSz="933450">
+          <a:pPr lvl="0" algn="ctr" defTabSz="711200">
             <a:lnSpc>
               <a:spcPct val="90000"/>
             </a:lnSpc>
@@ -2281,9 +2312,22 @@
             </a:spcAft>
           </a:pPr>
           <a:r>
-            <a:rPr lang="es-ES" sz="2100" kern="1200" dirty="0"/>
-            <a:t>Afiliación</a:t>
+            <a:rPr lang="es-ES" sz="1600" kern="1200" dirty="0" smtClean="0"/>
+            <a:t>Afiliación: </a:t>
           </a:r>
+          <a:r>
+            <a:rPr lang="es-ES" sz="1600" kern="1200" dirty="0" smtClean="0">
+              <a:solidFill>
+                <a:schemeClr val="accent6"/>
+              </a:solidFill>
+            </a:rPr>
+            <a:t>Empezar a pertenecer a la seguridad social – tener el número</a:t>
+          </a:r>
+          <a:endParaRPr lang="es-ES" sz="1600" kern="1200" dirty="0">
+            <a:solidFill>
+              <a:schemeClr val="accent6"/>
+            </a:solidFill>
+          </a:endParaRPr>
         </a:p>
       </dsp:txBody>
       <dsp:txXfrm>
@@ -2366,12 +2410,10 @@
           </a:avLst>
         </a:prstGeom>
         <a:solidFill>
-          <a:schemeClr val="lt1">
+          <a:schemeClr val="accent2">
+            <a:lumMod val="40000"/>
+            <a:lumOff val="60000"/>
             <a:alpha val="90000"/>
-            <a:hueOff val="0"/>
-            <a:satOff val="0"/>
-            <a:lumOff val="0"/>
-            <a:alphaOff val="0"/>
           </a:schemeClr>
         </a:solidFill>
         <a:ln w="12700" cap="flat" cmpd="sng" algn="ctr">
@@ -2401,12 +2443,12 @@
         <a:fontRef idx="minor"/>
       </dsp:style>
       <dsp:txBody>
-        <a:bodyPr spcFirstLastPara="0" vert="horz" wrap="square" lIns="40005" tIns="26670" rIns="40005" bIns="26670" numCol="1" spcCol="1270" anchor="ctr" anchorCtr="0">
+        <a:bodyPr spcFirstLastPara="0" vert="horz" wrap="square" lIns="30480" tIns="20320" rIns="30480" bIns="20320" numCol="1" spcCol="1270" anchor="ctr" anchorCtr="0">
           <a:noAutofit/>
         </a:bodyPr>
         <a:lstStyle/>
         <a:p>
-          <a:pPr lvl="0" algn="ctr" defTabSz="933450">
+          <a:pPr lvl="0" algn="ctr" defTabSz="711200">
             <a:lnSpc>
               <a:spcPct val="90000"/>
             </a:lnSpc>
@@ -2418,7 +2460,7 @@
             </a:spcAft>
           </a:pPr>
           <a:r>
-            <a:rPr lang="es-ES" sz="2100" kern="1200" dirty="0"/>
+            <a:rPr lang="es-ES" sz="1600" kern="1200" dirty="0"/>
             <a:t>Alta</a:t>
           </a:r>
         </a:p>
@@ -2503,13 +2545,9 @@
           </a:avLst>
         </a:prstGeom>
         <a:solidFill>
-          <a:schemeClr val="lt1">
+          <a:srgbClr val="FFFF00">
             <a:alpha val="90000"/>
-            <a:hueOff val="0"/>
-            <a:satOff val="0"/>
-            <a:lumOff val="0"/>
-            <a:alphaOff val="0"/>
-          </a:schemeClr>
+          </a:srgbClr>
         </a:solidFill>
         <a:ln w="12700" cap="flat" cmpd="sng" algn="ctr">
           <a:solidFill>
@@ -2538,12 +2576,12 @@
         <a:fontRef idx="minor"/>
       </dsp:style>
       <dsp:txBody>
-        <a:bodyPr spcFirstLastPara="0" vert="horz" wrap="square" lIns="40005" tIns="26670" rIns="40005" bIns="26670" numCol="1" spcCol="1270" anchor="ctr" anchorCtr="0">
+        <a:bodyPr spcFirstLastPara="0" vert="horz" wrap="square" lIns="30480" tIns="20320" rIns="30480" bIns="20320" numCol="1" spcCol="1270" anchor="ctr" anchorCtr="0">
           <a:noAutofit/>
         </a:bodyPr>
         <a:lstStyle/>
         <a:p>
-          <a:pPr lvl="0" algn="ctr" defTabSz="933450">
+          <a:pPr lvl="0" algn="ctr" defTabSz="711200">
             <a:lnSpc>
               <a:spcPct val="90000"/>
             </a:lnSpc>
@@ -2555,7 +2593,7 @@
             </a:spcAft>
           </a:pPr>
           <a:r>
-            <a:rPr lang="es-ES" sz="2100" kern="1200" dirty="0"/>
+            <a:rPr lang="es-ES" sz="1600" kern="1200" dirty="0"/>
             <a:t>Baja y modificaciones</a:t>
           </a:r>
         </a:p>
@@ -4026,7 +4064,7 @@
           <a:p>
             <a:fld id="{6E5A1375-5E48-45CD-B1FF-BA3248025E3D}" type="datetimeFigureOut">
               <a:rPr lang="es-ES" smtClean="0"/>
-              <a:t>30/01/2024</a:t>
+              <a:t>06/02/2024</a:t>
             </a:fld>
             <a:endParaRPr lang="es-ES"/>
           </a:p>
@@ -4196,7 +4234,7 @@
           <a:p>
             <a:fld id="{6E5A1375-5E48-45CD-B1FF-BA3248025E3D}" type="datetimeFigureOut">
               <a:rPr lang="es-ES" smtClean="0"/>
-              <a:t>30/01/2024</a:t>
+              <a:t>06/02/2024</a:t>
             </a:fld>
             <a:endParaRPr lang="es-ES"/>
           </a:p>
@@ -4376,7 +4414,7 @@
           <a:p>
             <a:fld id="{6E5A1375-5E48-45CD-B1FF-BA3248025E3D}" type="datetimeFigureOut">
               <a:rPr lang="es-ES" smtClean="0"/>
-              <a:t>30/01/2024</a:t>
+              <a:t>06/02/2024</a:t>
             </a:fld>
             <a:endParaRPr lang="es-ES"/>
           </a:p>
@@ -4546,7 +4584,7 @@
           <a:p>
             <a:fld id="{6E5A1375-5E48-45CD-B1FF-BA3248025E3D}" type="datetimeFigureOut">
               <a:rPr lang="es-ES" smtClean="0"/>
-              <a:t>30/01/2024</a:t>
+              <a:t>06/02/2024</a:t>
             </a:fld>
             <a:endParaRPr lang="es-ES"/>
           </a:p>
@@ -4792,7 +4830,7 @@
           <a:p>
             <a:fld id="{6E5A1375-5E48-45CD-B1FF-BA3248025E3D}" type="datetimeFigureOut">
               <a:rPr lang="es-ES" smtClean="0"/>
-              <a:t>30/01/2024</a:t>
+              <a:t>06/02/2024</a:t>
             </a:fld>
             <a:endParaRPr lang="es-ES"/>
           </a:p>
@@ -5024,7 +5062,7 @@
           <a:p>
             <a:fld id="{6E5A1375-5E48-45CD-B1FF-BA3248025E3D}" type="datetimeFigureOut">
               <a:rPr lang="es-ES" smtClean="0"/>
-              <a:t>30/01/2024</a:t>
+              <a:t>06/02/2024</a:t>
             </a:fld>
             <a:endParaRPr lang="es-ES"/>
           </a:p>
@@ -5391,7 +5429,7 @@
           <a:p>
             <a:fld id="{6E5A1375-5E48-45CD-B1FF-BA3248025E3D}" type="datetimeFigureOut">
               <a:rPr lang="es-ES" smtClean="0"/>
-              <a:t>30/01/2024</a:t>
+              <a:t>06/02/2024</a:t>
             </a:fld>
             <a:endParaRPr lang="es-ES"/>
           </a:p>
@@ -5509,7 +5547,7 @@
           <a:p>
             <a:fld id="{6E5A1375-5E48-45CD-B1FF-BA3248025E3D}" type="datetimeFigureOut">
               <a:rPr lang="es-ES" smtClean="0"/>
-              <a:t>30/01/2024</a:t>
+              <a:t>06/02/2024</a:t>
             </a:fld>
             <a:endParaRPr lang="es-ES"/>
           </a:p>
@@ -5604,7 +5642,7 @@
           <a:p>
             <a:fld id="{6E5A1375-5E48-45CD-B1FF-BA3248025E3D}" type="datetimeFigureOut">
               <a:rPr lang="es-ES" smtClean="0"/>
-              <a:t>30/01/2024</a:t>
+              <a:t>06/02/2024</a:t>
             </a:fld>
             <a:endParaRPr lang="es-ES"/>
           </a:p>
@@ -5881,7 +5919,7 @@
           <a:p>
             <a:fld id="{6E5A1375-5E48-45CD-B1FF-BA3248025E3D}" type="datetimeFigureOut">
               <a:rPr lang="es-ES" smtClean="0"/>
-              <a:t>30/01/2024</a:t>
+              <a:t>06/02/2024</a:t>
             </a:fld>
             <a:endParaRPr lang="es-ES"/>
           </a:p>
@@ -6138,7 +6176,7 @@
           <a:p>
             <a:fld id="{6E5A1375-5E48-45CD-B1FF-BA3248025E3D}" type="datetimeFigureOut">
               <a:rPr lang="es-ES" smtClean="0"/>
-              <a:t>30/01/2024</a:t>
+              <a:t>06/02/2024</a:t>
             </a:fld>
             <a:endParaRPr lang="es-ES"/>
           </a:p>
@@ -6351,7 +6389,7 @@
           <a:p>
             <a:fld id="{6E5A1375-5E48-45CD-B1FF-BA3248025E3D}" type="datetimeFigureOut">
               <a:rPr lang="es-ES" smtClean="0"/>
-              <a:t>30/01/2024</a:t>
+              <a:t>06/02/2024</a:t>
             </a:fld>
             <a:endParaRPr lang="es-ES"/>
           </a:p>
@@ -6772,7 +6810,7 @@
                 <a16:creationId xmlns:a16="http://schemas.microsoft.com/office/drawing/2014/main" id="{0C0CCF94-9536-4A63-8FF2-E37827C92756}"/>
               </a:ext>
               <a:ext uri="{C183D7F6-B498-43B3-948B-1728B52AA6E4}">
-                <adec:decorative xmlns:adec="http://schemas.microsoft.com/office/drawing/2017/decorative" xmlns="" val="1"/>
+                <adec:decorative xmlns="" xmlns:adec="http://schemas.microsoft.com/office/drawing/2017/decorative" val="1"/>
               </a:ext>
             </a:extLst>
           </p:cNvPr>
@@ -6848,7 +6886,7 @@
                 <a16:creationId xmlns:a16="http://schemas.microsoft.com/office/drawing/2014/main" id="{C970655A-F4C2-4D7E-BAB6-D3BFC5CAE148}"/>
               </a:ext>
               <a:ext uri="{C183D7F6-B498-43B3-948B-1728B52AA6E4}">
-                <adec:decorative xmlns:adec="http://schemas.microsoft.com/office/drawing/2017/decorative" xmlns="" val="1"/>
+                <adec:decorative xmlns="" xmlns:adec="http://schemas.microsoft.com/office/drawing/2017/decorative" val="1"/>
               </a:ext>
             </a:extLst>
           </p:cNvPr>
@@ -22803,7 +22841,7 @@
                 <a16:creationId xmlns:a16="http://schemas.microsoft.com/office/drawing/2014/main" id="{3389D0BC-BA1D-4360-88F9-D9ECCBDAB50E}"/>
               </a:ext>
               <a:ext uri="{C183D7F6-B498-43B3-948B-1728B52AA6E4}">
-                <adec:decorative xmlns:adec="http://schemas.microsoft.com/office/drawing/2017/decorative" xmlns="" val="1"/>
+                <adec:decorative xmlns="" xmlns:adec="http://schemas.microsoft.com/office/drawing/2017/decorative" val="1"/>
               </a:ext>
             </a:extLst>
           </p:cNvPr>
@@ -22992,8 +23030,12 @@
           <a:lstStyle/>
           <a:p>
             <a:r>
+              <a:rPr lang="es-ES" dirty="0" smtClean="0"/>
+              <a:t>2 obligación.- </a:t>
+            </a:r>
+            <a:r>
               <a:rPr lang="es-ES" dirty="0"/>
-              <a:t>2.- Cotización</a:t>
+              <a:t>Cotización</a:t>
             </a:r>
           </a:p>
         </p:txBody>
@@ -23022,7 +23064,7 @@
         </p:spPr>
         <p:txBody>
           <a:bodyPr>
-            <a:normAutofit/>
+            <a:normAutofit fontScale="92500" lnSpcReduction="20000"/>
           </a:bodyPr>
           <a:lstStyle/>
           <a:p>
@@ -23032,7 +23074,22 @@
             </a:r>
           </a:p>
           <a:p>
-            <a:endParaRPr lang="es-ES" dirty="0"/>
+            <a:pPr marL="0" indent="0">
+              <a:buNone/>
+            </a:pPr>
+            <a:r>
+              <a:rPr lang="es-ES" dirty="0" smtClean="0">
+                <a:solidFill>
+                  <a:schemeClr val="accent6"/>
+                </a:solidFill>
+              </a:rPr>
+              <a:t>La obligación es del empresario y el trabajador.</a:t>
+            </a:r>
+            <a:endParaRPr lang="es-ES" dirty="0">
+              <a:solidFill>
+                <a:schemeClr val="accent6"/>
+              </a:solidFill>
+            </a:endParaRPr>
           </a:p>
           <a:p>
             <a:endParaRPr lang="es-ES" dirty="0"/>
@@ -23040,12 +23097,30 @@
           <a:p>
             <a:r>
               <a:rPr lang="es-ES" dirty="0"/>
-              <a:t>¿Quién es el responsable de su cumplimiento?</a:t>
+              <a:t>¿Quién es el responsable de su cumplimiento</a:t>
+            </a:r>
+            <a:r>
+              <a:rPr lang="es-ES" dirty="0" smtClean="0"/>
+              <a:t>?</a:t>
             </a:r>
           </a:p>
           <a:p>
-            <a:pPr lvl="1"/>
-            <a:endParaRPr lang="es-ES" dirty="0"/>
+            <a:pPr marL="0" indent="0">
+              <a:buNone/>
+            </a:pPr>
+            <a:r>
+              <a:rPr lang="es-ES" dirty="0" smtClean="0">
+                <a:solidFill>
+                  <a:schemeClr val="accent6"/>
+                </a:solidFill>
+              </a:rPr>
+              <a:t>Solo el empresario.</a:t>
+            </a:r>
+            <a:endParaRPr lang="es-ES" dirty="0">
+              <a:solidFill>
+                <a:schemeClr val="accent6"/>
+              </a:solidFill>
+            </a:endParaRPr>
           </a:p>
           <a:p>
             <a:pPr lvl="1"/>
@@ -23072,8 +23147,70 @@
             </a:pPr>
             <a:r>
               <a:rPr lang="es-ES" dirty="0"/>
-              <a:t>(casi 500 euros)</a:t>
+              <a:t>(casi 500 </a:t>
             </a:r>
+            <a:r>
+              <a:rPr lang="es-ES" dirty="0" smtClean="0"/>
+              <a:t>euros)</a:t>
+            </a:r>
+          </a:p>
+          <a:p>
+            <a:pPr marL="0" indent="0">
+              <a:buNone/>
+            </a:pPr>
+            <a:r>
+              <a:rPr lang="es-ES" dirty="0" smtClean="0">
+                <a:solidFill>
+                  <a:schemeClr val="accent5"/>
+                </a:solidFill>
+              </a:rPr>
+              <a:t>Salario bruto</a:t>
+            </a:r>
+            <a:r>
+              <a:rPr lang="es-ES" dirty="0" smtClean="0">
+                <a:solidFill>
+                  <a:schemeClr val="accent6"/>
+                </a:solidFill>
+              </a:rPr>
+              <a:t>= lo que paga el empresario al trabajador (ejemplo 1134 el SMI), el </a:t>
+            </a:r>
+            <a:r>
+              <a:rPr lang="es-ES" dirty="0" smtClean="0">
+                <a:solidFill>
+                  <a:schemeClr val="accent5"/>
+                </a:solidFill>
+              </a:rPr>
+              <a:t>salario líquido </a:t>
+            </a:r>
+            <a:r>
+              <a:rPr lang="es-ES" dirty="0" smtClean="0">
+                <a:solidFill>
+                  <a:schemeClr val="accent6"/>
+                </a:solidFill>
+              </a:rPr>
+              <a:t>es lo que realmente cobra el trabajador (850€) y el </a:t>
+            </a:r>
+            <a:r>
+              <a:rPr lang="es-ES" dirty="0" smtClean="0">
+                <a:solidFill>
+                  <a:schemeClr val="accent5"/>
+                </a:solidFill>
+              </a:rPr>
+              <a:t>coste salarial </a:t>
+            </a:r>
+            <a:r>
+              <a:rPr lang="es-ES" dirty="0" smtClean="0">
+                <a:solidFill>
+                  <a:schemeClr val="accent6"/>
+                </a:solidFill>
+              </a:rPr>
+              <a:t>es lo que para el empresario + lo que el empresario paga a la seguridad social por cada trabajador (un 20% más)=1360€.</a:t>
+            </a:r>
+            <a:endParaRPr lang="es-ES" dirty="0">
+              <a:solidFill>
+                <a:schemeClr val="accent6"/>
+              </a:solidFill>
+            </a:endParaRPr>
           </a:p>
         </p:txBody>
       </p:sp>
@@ -23084,13 +23221,13 @@
           <p:nvPr>
             <p:extLst>
               <p:ext uri="{D42A27DB-BD31-4B8C-83A1-F6EECF244321}">
-                <p14:modId xmlns:p14="http://schemas.microsoft.com/office/powerpoint/2010/main" val="758125977"/>
+                <p14:modId xmlns:p14="http://schemas.microsoft.com/office/powerpoint/2010/main" val="2850384449"/>
               </p:ext>
             </p:extLst>
           </p:nvPr>
         </p:nvGraphicFramePr>
         <p:xfrm>
-          <a:off x="7726017" y="2358886"/>
+          <a:off x="7684453" y="596588"/>
           <a:ext cx="3869635" cy="3419877"/>
         </p:xfrm>
         <a:graphic>
@@ -23145,7 +23282,7 @@
                 <a16:creationId xmlns:a16="http://schemas.microsoft.com/office/drawing/2014/main" id="{9F7D5CDA-D291-4307-BF55-1381FED29634}"/>
               </a:ext>
               <a:ext uri="{C183D7F6-B498-43B3-948B-1728B52AA6E4}">
-                <adec:decorative xmlns:adec="http://schemas.microsoft.com/office/drawing/2017/decorative" xmlns="" val="1"/>
+                <adec:decorative xmlns="" xmlns:adec="http://schemas.microsoft.com/office/drawing/2017/decorative" val="1"/>
               </a:ext>
             </a:extLst>
           </p:cNvPr>
@@ -23234,7 +23371,7 @@
                 <a16:creationId xmlns:a16="http://schemas.microsoft.com/office/drawing/2014/main" id="{59B296B9-C5A5-4E4F-9B60-C907B5F1466C}"/>
               </a:ext>
               <a:ext uri="{C183D7F6-B498-43B3-948B-1728B52AA6E4}">
-                <adec:decorative xmlns:adec="http://schemas.microsoft.com/office/drawing/2017/decorative" xmlns="" val="1"/>
+                <adec:decorative xmlns="" xmlns:adec="http://schemas.microsoft.com/office/drawing/2017/decorative" val="1"/>
               </a:ext>
             </a:extLst>
           </p:cNvPr>
@@ -23301,7 +23438,7 @@
                 <a16:creationId xmlns:a16="http://schemas.microsoft.com/office/drawing/2014/main" id="{D0300FD3-5AF1-6305-15FA-9078072672E2}"/>
               </a:ext>
               <a:ext uri="{C183D7F6-B498-43B3-948B-1728B52AA6E4}">
-                <adec:decorative xmlns:adec="http://schemas.microsoft.com/office/drawing/2017/decorative" xmlns="" val="1"/>
+                <adec:decorative xmlns="" xmlns:adec="http://schemas.microsoft.com/office/drawing/2017/decorative" val="1"/>
               </a:ext>
             </a:extLst>
           </p:cNvPr>
@@ -23553,7 +23690,7 @@
                 <a16:creationId xmlns:a16="http://schemas.microsoft.com/office/drawing/2014/main" id="{C0763A76-9F1C-4FC5-82B7-DD475DA461B2}"/>
               </a:ext>
               <a:ext uri="{C183D7F6-B498-43B3-948B-1728B52AA6E4}">
-                <adec:decorative xmlns:adec="http://schemas.microsoft.com/office/drawing/2017/decorative" xmlns="" val="1"/>
+                <adec:decorative xmlns="" xmlns:adec="http://schemas.microsoft.com/office/drawing/2017/decorative" val="1"/>
               </a:ext>
             </a:extLst>
           </p:cNvPr>
@@ -23707,7 +23844,7 @@
                 <a16:creationId xmlns:a16="http://schemas.microsoft.com/office/drawing/2014/main" id="{E81BF4F6-F2CF-4984-9D14-D6966D92F99F}"/>
               </a:ext>
               <a:ext uri="{C183D7F6-B498-43B3-948B-1728B52AA6E4}">
-                <adec:decorative xmlns:adec="http://schemas.microsoft.com/office/drawing/2017/decorative" xmlns="" val="1"/>
+                <adec:decorative xmlns="" xmlns:adec="http://schemas.microsoft.com/office/drawing/2017/decorative" val="1"/>
               </a:ext>
             </a:extLst>
           </p:cNvPr>
@@ -24144,7 +24281,7 @@
                 <a16:creationId xmlns:a16="http://schemas.microsoft.com/office/drawing/2014/main" id="{5EFBDE31-BB3E-6CFC-23CD-B5976DA38438}"/>
               </a:ext>
               <a:ext uri="{C183D7F6-B498-43B3-948B-1728B52AA6E4}">
-                <adec:decorative xmlns:adec="http://schemas.microsoft.com/office/drawing/2017/decorative" xmlns="" val="1"/>
+                <adec:decorative xmlns="" xmlns:adec="http://schemas.microsoft.com/office/drawing/2017/decorative" val="1"/>
               </a:ext>
             </a:extLst>
           </p:cNvPr>
@@ -24175,7 +24312,7 @@
                   <a16:creationId xmlns:a16="http://schemas.microsoft.com/office/drawing/2014/main" id="{180A60EC-72BB-121F-556A-E2837FD99A87}"/>
                 </a:ext>
                 <a:ext uri="{C183D7F6-B498-43B3-948B-1728B52AA6E4}">
-                  <adec:decorative xmlns:adec="http://schemas.microsoft.com/office/drawing/2017/decorative" xmlns="" val="1"/>
+                  <adec:decorative xmlns="" xmlns:adec="http://schemas.microsoft.com/office/drawing/2017/decorative" val="1"/>
                 </a:ext>
               </a:extLst>
             </p:cNvPr>
@@ -24244,7 +24381,7 @@
                   <a16:creationId xmlns:a16="http://schemas.microsoft.com/office/drawing/2014/main" id="{F91A2FAE-D41C-FF5D-B0A0-7808248EDC94}"/>
                 </a:ext>
                 <a:ext uri="{C183D7F6-B498-43B3-948B-1728B52AA6E4}">
-                  <adec:decorative xmlns:adec="http://schemas.microsoft.com/office/drawing/2017/decorative" xmlns="" val="1"/>
+                  <adec:decorative xmlns="" xmlns:adec="http://schemas.microsoft.com/office/drawing/2017/decorative" val="1"/>
                 </a:ext>
               </a:extLst>
             </p:cNvPr>
@@ -24610,7 +24747,7 @@
                 <a16:creationId xmlns:a16="http://schemas.microsoft.com/office/drawing/2014/main" id="{A4813DE6-CC05-D4A6-57C6-34BDCB1C117C}"/>
               </a:ext>
               <a:ext uri="{C183D7F6-B498-43B3-948B-1728B52AA6E4}">
-                <adec:decorative xmlns:adec="http://schemas.microsoft.com/office/drawing/2017/decorative" xmlns="" val="1"/>
+                <adec:decorative xmlns="" xmlns:adec="http://schemas.microsoft.com/office/drawing/2017/decorative" val="1"/>
               </a:ext>
             </a:extLst>
           </p:cNvPr>
@@ -24769,7 +24906,7 @@
                 <a16:creationId xmlns:a16="http://schemas.microsoft.com/office/drawing/2014/main" id="{D0C531AC-B951-C983-A9F9-A57678E3B22D}"/>
               </a:ext>
               <a:ext uri="{C183D7F6-B498-43B3-948B-1728B52AA6E4}">
-                <adec:decorative xmlns:adec="http://schemas.microsoft.com/office/drawing/2017/decorative" xmlns="" val="1"/>
+                <adec:decorative xmlns="" xmlns:adec="http://schemas.microsoft.com/office/drawing/2017/decorative" val="1"/>
               </a:ext>
             </a:extLst>
           </p:cNvPr>
@@ -24800,7 +24937,7 @@
                   <a16:creationId xmlns:a16="http://schemas.microsoft.com/office/drawing/2014/main" id="{45304F32-33F0-5A5F-4837-1B2BFA5DBADB}"/>
                 </a:ext>
                 <a:ext uri="{C183D7F6-B498-43B3-948B-1728B52AA6E4}">
-                  <adec:decorative xmlns:adec="http://schemas.microsoft.com/office/drawing/2017/decorative" xmlns="" val="1"/>
+                  <adec:decorative xmlns="" xmlns:adec="http://schemas.microsoft.com/office/drawing/2017/decorative" val="1"/>
                 </a:ext>
               </a:extLst>
             </p:cNvPr>
@@ -25571,7 +25708,7 @@
                   <a16:creationId xmlns:a16="http://schemas.microsoft.com/office/drawing/2014/main" id="{E7660A84-957D-5B03-5B37-036016C70439}"/>
                 </a:ext>
                 <a:ext uri="{C183D7F6-B498-43B3-948B-1728B52AA6E4}">
-                  <adec:decorative xmlns:adec="http://schemas.microsoft.com/office/drawing/2017/decorative" xmlns="" val="1"/>
+                  <adec:decorative xmlns="" xmlns:adec="http://schemas.microsoft.com/office/drawing/2017/decorative" val="1"/>
                 </a:ext>
               </a:extLst>
             </p:cNvPr>
@@ -26344,7 +26481,7 @@
                 <a16:creationId xmlns:a16="http://schemas.microsoft.com/office/drawing/2014/main" id="{4D3BD428-BE12-D76F-5331-338B22BA4D4F}"/>
               </a:ext>
               <a:ext uri="{C183D7F6-B498-43B3-948B-1728B52AA6E4}">
-                <adec:decorative xmlns:adec="http://schemas.microsoft.com/office/drawing/2017/decorative" xmlns="" val="1"/>
+                <adec:decorative xmlns="" xmlns:adec="http://schemas.microsoft.com/office/drawing/2017/decorative" val="1"/>
               </a:ext>
             </a:extLst>
           </p:cNvPr>
@@ -26375,7 +26512,7 @@
                   <a16:creationId xmlns:a16="http://schemas.microsoft.com/office/drawing/2014/main" id="{0ED2505C-BD8D-90F6-2853-6BBFE44A99A8}"/>
                 </a:ext>
                 <a:ext uri="{C183D7F6-B498-43B3-948B-1728B52AA6E4}">
-                  <adec:decorative xmlns:adec="http://schemas.microsoft.com/office/drawing/2017/decorative" xmlns="" val="1"/>
+                  <adec:decorative xmlns="" xmlns:adec="http://schemas.microsoft.com/office/drawing/2017/decorative" val="1"/>
                 </a:ext>
               </a:extLst>
             </p:cNvPr>
@@ -28240,7 +28377,7 @@
                   <a16:creationId xmlns:a16="http://schemas.microsoft.com/office/drawing/2014/main" id="{A35142EF-06FE-5359-648A-F585DF6D4C62}"/>
                 </a:ext>
                 <a:ext uri="{C183D7F6-B498-43B3-948B-1728B52AA6E4}">
-                  <adec:decorative xmlns:adec="http://schemas.microsoft.com/office/drawing/2017/decorative" xmlns="" val="1"/>
+                  <adec:decorative xmlns="" xmlns:adec="http://schemas.microsoft.com/office/drawing/2017/decorative" val="1"/>
                 </a:ext>
               </a:extLst>
             </p:cNvPr>
@@ -30148,23 +30285,8 @@
                 </a:solidFill>
                 <a:latin typeface="+mj-lt"/>
               </a:rPr>
-              <a:t> Sistema público por el que el estado protege a sus ciudadanos a través de prestaciones. </a:t>
+              <a:t> Sistema público por el que el estado protege a sus ciudadanos a través de prestaciones. Funciona como un seguro público.</a:t>
             </a:r>
-            <a:r>
-              <a:rPr lang="es-ES" sz="1600" b="1" dirty="0" smtClean="0">
-                <a:solidFill>
-                  <a:schemeClr val="accent6"/>
-                </a:solidFill>
-                <a:latin typeface="+mj-lt"/>
-              </a:rPr>
-              <a:t>Funciona como un seguro público.</a:t>
-            </a:r>
-            <a:endParaRPr lang="es-ES" sz="1600" b="1" dirty="0" smtClean="0">
-              <a:solidFill>
-                <a:schemeClr val="accent6"/>
-              </a:solidFill>
-              <a:latin typeface="+mj-lt"/>
-            </a:endParaRPr>
           </a:p>
           <a:p>
             <a:pPr>
@@ -30413,7 +30535,7 @@
                 <a16:creationId xmlns:a16="http://schemas.microsoft.com/office/drawing/2014/main" id="{2C61293E-6EBE-43EF-A52C-9BEBFD7679D4}"/>
               </a:ext>
               <a:ext uri="{C183D7F6-B498-43B3-948B-1728B52AA6E4}">
-                <adec:decorative xmlns:adec="http://schemas.microsoft.com/office/drawing/2017/decorative" xmlns="" val="1"/>
+                <adec:decorative xmlns="" xmlns:adec="http://schemas.microsoft.com/office/drawing/2017/decorative" val="1"/>
               </a:ext>
             </a:extLst>
           </p:cNvPr>
@@ -30665,7 +30787,7 @@
                 <a16:creationId xmlns:a16="http://schemas.microsoft.com/office/drawing/2014/main" id="{21540236-BFD5-4A9D-8840-4703E7F76825}"/>
               </a:ext>
               <a:ext uri="{C183D7F6-B498-43B3-948B-1728B52AA6E4}">
-                <adec:decorative xmlns:adec="http://schemas.microsoft.com/office/drawing/2017/decorative" xmlns="" val="1"/>
+                <adec:decorative xmlns="" xmlns:adec="http://schemas.microsoft.com/office/drawing/2017/decorative" val="1"/>
               </a:ext>
             </a:extLst>
           </p:cNvPr>
@@ -30963,7 +31085,7 @@
             <a:round/>
             <a:extLst>
               <a:ext uri="{C807C97D-BFC1-408E-A445-0C87EB9F89A2}">
-                <ask:lineSketchStyleProps xmlns:ask="http://schemas.microsoft.com/office/drawing/2018/sketchyshapes" xmlns="" sd="2727557108">
+                <ask:lineSketchStyleProps xmlns="" xmlns:ask="http://schemas.microsoft.com/office/drawing/2018/sketchyshapes" sd="2727557108">
                   <a:prstGeom prst="rect">
                     <a:avLst/>
                   </a:prstGeom>
@@ -31451,7 +31573,7 @@
                 <a16:creationId xmlns:a16="http://schemas.microsoft.com/office/drawing/2014/main" id="{417CDA24-35F8-4540-8C52-3096D6D94949}"/>
               </a:ext>
               <a:ext uri="{C183D7F6-B498-43B3-948B-1728B52AA6E4}">
-                <adec:decorative xmlns:adec="http://schemas.microsoft.com/office/drawing/2017/decorative" xmlns="" val="1"/>
+                <adec:decorative xmlns="" xmlns:adec="http://schemas.microsoft.com/office/drawing/2017/decorative" val="1"/>
               </a:ext>
             </a:extLst>
           </p:cNvPr>
@@ -31547,7 +31669,7 @@
                 <a16:creationId xmlns:a16="http://schemas.microsoft.com/office/drawing/2014/main" id="{8658BFE0-4E65-4174-9C75-687C94E88273}"/>
               </a:ext>
               <a:ext uri="{C183D7F6-B498-43B3-948B-1728B52AA6E4}">
-                <adec:decorative xmlns:adec="http://schemas.microsoft.com/office/drawing/2017/decorative" xmlns="" val="1"/>
+                <adec:decorative xmlns="" xmlns:adec="http://schemas.microsoft.com/office/drawing/2017/decorative" val="1"/>
               </a:ext>
             </a:extLst>
           </p:cNvPr>
@@ -31613,7 +31735,7 @@
                 <a16:creationId xmlns:a16="http://schemas.microsoft.com/office/drawing/2014/main" id="{FA75DFED-A0C1-4A83-BE1D-0271C1826EF6}"/>
               </a:ext>
               <a:ext uri="{C183D7F6-B498-43B3-948B-1728B52AA6E4}">
-                <adec:decorative xmlns:adec="http://schemas.microsoft.com/office/drawing/2017/decorative" xmlns="" val="1"/>
+                <adec:decorative xmlns="" xmlns:adec="http://schemas.microsoft.com/office/drawing/2017/decorative" val="1"/>
               </a:ext>
             </a:extLst>
           </p:cNvPr>
@@ -32004,9 +32126,35 @@
           <a:p>
             <a:pPr lvl="1"/>
             <a:r>
+              <a:rPr lang="es-ES" dirty="0" smtClean="0"/>
+              <a:t>Afiliaciones</a:t>
+            </a:r>
+            <a:r>
+              <a:rPr lang="es-ES" dirty="0" smtClean="0">
+                <a:solidFill>
+                  <a:schemeClr val="accent6"/>
+                </a:solidFill>
+              </a:rPr>
+              <a:t>(lo puede hacer el propio trabajador), </a:t>
+            </a:r>
+            <a:r>
               <a:rPr lang="es-ES" dirty="0"/>
-              <a:t>Afiliaciones, Altas y Bajas</a:t>
+              <a:t>Altas y </a:t>
             </a:r>
+            <a:r>
+              <a:rPr lang="es-ES" dirty="0" smtClean="0"/>
+              <a:t>Bajas</a:t>
+            </a:r>
+          </a:p>
+          <a:p>
+            <a:pPr marL="457200" lvl="1" indent="0">
+              <a:buNone/>
+            </a:pPr>
+            <a:endParaRPr lang="es-ES" dirty="0">
+              <a:solidFill>
+                <a:schemeClr val="accent6"/>
+              </a:solidFill>
+            </a:endParaRPr>
           </a:p>
           <a:p>
             <a:pPr marL="457200" lvl="1" indent="0">
@@ -32017,9 +32165,22 @@
           <a:p>
             <a:pPr lvl="1"/>
             <a:r>
-              <a:rPr lang="es-ES" dirty="0"/>
-              <a:t>Cotización</a:t>
+              <a:rPr lang="es-ES" dirty="0" smtClean="0"/>
+              <a:t>Cotización: </a:t>
             </a:r>
+            <a:r>
+              <a:rPr lang="es-ES" dirty="0" smtClean="0">
+                <a:solidFill>
+                  <a:schemeClr val="accent6"/>
+                </a:solidFill>
+              </a:rPr>
+              <a:t>Pago de las mismas.</a:t>
+            </a:r>
+            <a:endParaRPr lang="es-ES" dirty="0">
+              <a:solidFill>
+                <a:schemeClr val="accent6"/>
+              </a:solidFill>
+            </a:endParaRPr>
           </a:p>
           <a:p>
             <a:endParaRPr lang="es-ES" dirty="0"/>
@@ -32072,7 +32233,7 @@
             <p:ph sz="half" idx="1"/>
             <p:extLst>
               <p:ext uri="{D42A27DB-BD31-4B8C-83A1-F6EECF244321}">
-                <p14:modId xmlns:p14="http://schemas.microsoft.com/office/powerpoint/2010/main" val="2781579397"/>
+                <p14:modId xmlns:p14="http://schemas.microsoft.com/office/powerpoint/2010/main" val="1035675534"/>
               </p:ext>
             </p:extLst>
           </p:nvPr>
@@ -32109,7 +32270,7 @@
         </p:blipFill>
         <p:spPr>
           <a:xfrm>
-            <a:off x="7583763" y="3292337"/>
+            <a:off x="8298658" y="1022963"/>
             <a:ext cx="3438525" cy="1333500"/>
           </a:xfrm>
           <a:prstGeom prst="rect">
@@ -32117,6 +32278,123 @@
           </a:prstGeom>
         </p:spPr>
       </p:pic>
+      <p:sp>
+        <p:nvSpPr>
+          <p:cNvPr id="2" name="CuadroTexto 1"/>
+          <p:cNvSpPr txBox="1"/>
+          <p:nvPr/>
+        </p:nvSpPr>
+        <p:spPr>
+          <a:xfrm>
+            <a:off x="4663440" y="2518035"/>
+            <a:ext cx="4871259" cy="646331"/>
+          </a:xfrm>
+          <a:prstGeom prst="rect">
+            <a:avLst/>
+          </a:prstGeom>
+          <a:solidFill>
+            <a:schemeClr val="bg2">
+              <a:lumMod val="90000"/>
+            </a:schemeClr>
+          </a:solidFill>
+        </p:spPr>
+        <p:txBody>
+          <a:bodyPr wrap="square" rtlCol="0">
+            <a:spAutoFit/>
+          </a:bodyPr>
+          <a:lstStyle/>
+          <a:p>
+            <a:r>
+              <a:rPr lang="es-ES" dirty="0" smtClean="0">
+                <a:solidFill>
+                  <a:schemeClr val="accent6"/>
+                </a:solidFill>
+              </a:rPr>
+              <a:t>A través del modelo TA1 antes de trabajar y antes de que el trabajador trabaje por primera vez.</a:t>
+            </a:r>
+            <a:endParaRPr lang="es-ES" dirty="0">
+              <a:solidFill>
+                <a:schemeClr val="accent6"/>
+              </a:solidFill>
+            </a:endParaRPr>
+          </a:p>
+        </p:txBody>
+      </p:sp>
+      <p:sp>
+        <p:nvSpPr>
+          <p:cNvPr id="3" name="CuadroTexto 2"/>
+          <p:cNvSpPr txBox="1"/>
+          <p:nvPr/>
+        </p:nvSpPr>
+        <p:spPr>
+          <a:xfrm>
+            <a:off x="4731026" y="3620681"/>
+            <a:ext cx="4803673" cy="1200329"/>
+          </a:xfrm>
+          <a:prstGeom prst="rect">
+            <a:avLst/>
+          </a:prstGeom>
+          <a:solidFill>
+            <a:schemeClr val="accent2">
+              <a:lumMod val="40000"/>
+              <a:lumOff val="60000"/>
+            </a:schemeClr>
+          </a:solidFill>
+        </p:spPr>
+        <p:txBody>
+          <a:bodyPr wrap="square" rtlCol="0">
+            <a:spAutoFit/>
+          </a:bodyPr>
+          <a:lstStyle/>
+          <a:p>
+            <a:r>
+              <a:rPr lang="es-ES" dirty="0" smtClean="0">
+                <a:solidFill>
+                  <a:schemeClr val="accent6"/>
+                </a:solidFill>
+              </a:rPr>
+              <a:t>Trámite que realiza el empresario para contratar al trabajador MODELO TA2 (antes del inicio de la relación laboral. Se puede hacer con una antelación de 60 días.</a:t>
+            </a:r>
+            <a:endParaRPr lang="es-ES" dirty="0">
+              <a:solidFill>
+                <a:schemeClr val="accent6"/>
+              </a:solidFill>
+            </a:endParaRPr>
+          </a:p>
+        </p:txBody>
+      </p:sp>
+      <p:sp>
+        <p:nvSpPr>
+          <p:cNvPr id="5" name="CuadroTexto 4"/>
+          <p:cNvSpPr txBox="1"/>
+          <p:nvPr/>
+        </p:nvSpPr>
+        <p:spPr>
+          <a:xfrm>
+            <a:off x="4663440" y="5141539"/>
+            <a:ext cx="4871259" cy="646331"/>
+          </a:xfrm>
+          <a:prstGeom prst="rect">
+            <a:avLst/>
+          </a:prstGeom>
+          <a:solidFill>
+            <a:srgbClr val="FFFF00"/>
+          </a:solidFill>
+        </p:spPr>
+        <p:txBody>
+          <a:bodyPr wrap="square" rtlCol="0">
+            <a:spAutoFit/>
+          </a:bodyPr>
+          <a:lstStyle/>
+          <a:p>
+            <a:r>
+              <a:rPr lang="es-ES" dirty="0" smtClean="0"/>
+              <a:t>También modelo TA2 y plazo de 3 días naturales antes de que termine de trabajar</a:t>
+            </a:r>
+            <a:endParaRPr lang="es-ES" dirty="0"/>
+          </a:p>
+        </p:txBody>
+      </p:sp>
     </p:spTree>
     <p:extLst>
       <p:ext uri="{BB962C8B-B14F-4D97-AF65-F5344CB8AC3E}">
